--- a/Slides/Lecture 8-2.pptx
+++ b/Slides/Lecture 8-2.pptx
@@ -234,7 +234,7 @@
             <a:fld id="{A6781D3C-003D-4837-A496-9A32CDA8003A}" type="datetimeFigureOut">
               <a:rPr lang="en-US" smtClean="0"/>
               <a:pPr/>
-              <a:t>2/7/19</a:t>
+              <a:t>2/14/19</a:t>
             </a:fld>
             <a:endParaRPr lang="en-US"/>
           </a:p>
@@ -4620,7 +4620,7 @@
           <a:graphicData uri="http://schemas.openxmlformats.org/presentationml/2006/ole">
             <mc:AlternateContent xmlns:mc="http://schemas.openxmlformats.org/markup-compatibility/2006">
               <mc:Choice xmlns:v="urn:schemas-microsoft-com:vml" Requires="v">
-                <p:oleObj spid="_x0000_s2107" name="Equation" r:id="rId4" imgW="1371600" imgH="292100" progId="Equation.3">
+                <p:oleObj spid="_x0000_s2110" name="Equation" r:id="rId4" imgW="1371600" imgH="292100" progId="Equation.3">
                   <p:embed/>
                 </p:oleObj>
               </mc:Choice>
@@ -4681,7 +4681,7 @@
           <a:graphicData uri="http://schemas.openxmlformats.org/presentationml/2006/ole">
             <mc:AlternateContent xmlns:mc="http://schemas.openxmlformats.org/markup-compatibility/2006">
               <mc:Choice xmlns:v="urn:schemas-microsoft-com:vml" Requires="v">
-                <p:oleObj spid="_x0000_s2108" name="Equation" r:id="rId6" imgW="1371600" imgH="419100" progId="Equation.3">
+                <p:oleObj spid="_x0000_s2111" name="Equation" r:id="rId6" imgW="1371600" imgH="419100" progId="Equation.3">
                   <p:embed/>
                 </p:oleObj>
               </mc:Choice>
@@ -4742,7 +4742,7 @@
           <a:graphicData uri="http://schemas.openxmlformats.org/presentationml/2006/ole">
             <mc:AlternateContent xmlns:mc="http://schemas.openxmlformats.org/markup-compatibility/2006">
               <mc:Choice xmlns:v="urn:schemas-microsoft-com:vml" Requires="v">
-                <p:oleObj spid="_x0000_s2109" name="Equation" r:id="rId8" imgW="1346200" imgH="292100" progId="Equation.3">
+                <p:oleObj spid="_x0000_s2112" name="Equation" r:id="rId8" imgW="1346200" imgH="292100" progId="Equation.3">
                   <p:embed/>
                 </p:oleObj>
               </mc:Choice>
@@ -5042,7 +5042,7 @@
           <a:graphicData uri="http://schemas.openxmlformats.org/presentationml/2006/ole">
             <mc:AlternateContent xmlns:mc="http://schemas.openxmlformats.org/markup-compatibility/2006">
               <mc:Choice xmlns:v="urn:schemas-microsoft-com:vml" Requires="v">
-                <p:oleObj spid="_x0000_s3112" name="Equation" r:id="rId3" imgW="1651000" imgH="292100" progId="Equation.3">
+                <p:oleObj spid="_x0000_s3114" name="Equation" r:id="rId3" imgW="1651000" imgH="292100" progId="Equation.3">
                   <p:embed/>
                 </p:oleObj>
               </mc:Choice>
@@ -5165,7 +5165,7 @@
           <a:graphicData uri="http://schemas.openxmlformats.org/presentationml/2006/ole">
             <mc:AlternateContent xmlns:mc="http://schemas.openxmlformats.org/markup-compatibility/2006">
               <mc:Choice xmlns:v="urn:schemas-microsoft-com:vml" Requires="v">
-                <p:oleObj spid="_x0000_s3113" name="Equation" r:id="rId5" imgW="1993680" imgH="304560" progId="Equation.3">
+                <p:oleObj spid="_x0000_s3115" name="Equation" r:id="rId5" imgW="1993680" imgH="304560" progId="Equation.3">
                   <p:embed/>
                 </p:oleObj>
               </mc:Choice>
@@ -5446,7 +5446,7 @@
           <a:graphicData uri="http://schemas.openxmlformats.org/presentationml/2006/ole">
             <mc:AlternateContent xmlns:mc="http://schemas.openxmlformats.org/markup-compatibility/2006">
               <mc:Choice xmlns:v="urn:schemas-microsoft-com:vml" Requires="v">
-                <p:oleObj spid="_x0000_s4136" name="Equation" r:id="rId3" imgW="3327400" imgH="431800" progId="Equation.3">
+                <p:oleObj spid="_x0000_s4138" name="Equation" r:id="rId3" imgW="3327400" imgH="431800" progId="Equation.3">
                   <p:embed/>
                 </p:oleObj>
               </mc:Choice>
@@ -5514,7 +5514,7 @@
           <a:graphicData uri="http://schemas.openxmlformats.org/presentationml/2006/ole">
             <mc:AlternateContent xmlns:mc="http://schemas.openxmlformats.org/markup-compatibility/2006">
               <mc:Choice xmlns:v="urn:schemas-microsoft-com:vml" Requires="v">
-                <p:oleObj spid="_x0000_s4137" name="Equation" r:id="rId5" imgW="3187700" imgH="609600" progId="Equation.3">
+                <p:oleObj spid="_x0000_s4139" name="Equation" r:id="rId5" imgW="3187700" imgH="609600" progId="Equation.3">
                   <p:embed/>
                 </p:oleObj>
               </mc:Choice>
@@ -5764,7 +5764,7 @@
           <a:graphicData uri="http://schemas.openxmlformats.org/presentationml/2006/ole">
             <mc:AlternateContent xmlns:mc="http://schemas.openxmlformats.org/markup-compatibility/2006">
               <mc:Choice xmlns:v="urn:schemas-microsoft-com:vml" Requires="v">
-                <p:oleObj spid="_x0000_s5161" name="Equation" r:id="rId3" imgW="1117440" imgH="228600" progId="Equation.3">
+                <p:oleObj spid="_x0000_s5163" name="Equation" r:id="rId3" imgW="1117440" imgH="228600" progId="Equation.3">
                   <p:embed/>
                 </p:oleObj>
               </mc:Choice>
@@ -5829,7 +5829,7 @@
           <a:graphicData uri="http://schemas.openxmlformats.org/presentationml/2006/ole">
             <mc:AlternateContent xmlns:mc="http://schemas.openxmlformats.org/markup-compatibility/2006">
               <mc:Choice xmlns:v="urn:schemas-microsoft-com:vml" Requires="v">
-                <p:oleObj spid="_x0000_s5162" name="Equation" r:id="rId5" imgW="3632040" imgH="228600" progId="Equation.3">
+                <p:oleObj spid="_x0000_s5164" name="Equation" r:id="rId5" imgW="3632040" imgH="228600" progId="Equation.3">
                   <p:embed/>
                 </p:oleObj>
               </mc:Choice>
@@ -6031,7 +6031,7 @@
           <a:graphicData uri="http://schemas.openxmlformats.org/presentationml/2006/ole">
             <mc:AlternateContent xmlns:mc="http://schemas.openxmlformats.org/markup-compatibility/2006">
               <mc:Choice xmlns:v="urn:schemas-microsoft-com:vml" Requires="v">
-                <p:oleObj spid="_x0000_s6185" name="Equation" r:id="rId3" imgW="2298600" imgH="304560" progId="Equation.3">
+                <p:oleObj spid="_x0000_s6187" name="Equation" r:id="rId3" imgW="2298600" imgH="304560" progId="Equation.3">
                   <p:embed/>
                 </p:oleObj>
               </mc:Choice>
@@ -6092,7 +6092,7 @@
           <a:graphicData uri="http://schemas.openxmlformats.org/presentationml/2006/ole">
             <mc:AlternateContent xmlns:mc="http://schemas.openxmlformats.org/markup-compatibility/2006">
               <mc:Choice xmlns:v="urn:schemas-microsoft-com:vml" Requires="v">
-                <p:oleObj spid="_x0000_s6186" name="Equation" r:id="rId5" imgW="1828800" imgH="368300" progId="Equation.3">
+                <p:oleObj spid="_x0000_s6188" name="Equation" r:id="rId5" imgW="1828800" imgH="368300" progId="Equation.3">
                   <p:embed/>
                 </p:oleObj>
               </mc:Choice>
@@ -6429,7 +6429,7 @@
           <a:graphicData uri="http://schemas.openxmlformats.org/presentationml/2006/ole">
             <mc:AlternateContent xmlns:mc="http://schemas.openxmlformats.org/markup-compatibility/2006">
               <mc:Choice xmlns:v="urn:schemas-microsoft-com:vml" Requires="v">
-                <p:oleObj spid="_x0000_s7208" name="Equation" r:id="rId3" imgW="1739900" imgH="584200" progId="Equation.3">
+                <p:oleObj spid="_x0000_s7210" name="Equation" r:id="rId3" imgW="1739900" imgH="584200" progId="Equation.3">
                   <p:embed/>
                 </p:oleObj>
               </mc:Choice>
@@ -6491,7 +6491,7 @@
           <a:graphicData uri="http://schemas.openxmlformats.org/presentationml/2006/ole">
             <mc:AlternateContent xmlns:mc="http://schemas.openxmlformats.org/markup-compatibility/2006">
               <mc:Choice xmlns:v="urn:schemas-microsoft-com:vml" Requires="v">
-                <p:oleObj spid="_x0000_s7209" name="Equation" r:id="rId5" imgW="1587500" imgH="444500" progId="Equation.3">
+                <p:oleObj spid="_x0000_s7211" name="Equation" r:id="rId5" imgW="1587500" imgH="444500" progId="Equation.3">
                   <p:embed/>
                 </p:oleObj>
               </mc:Choice>
@@ -6987,7 +6987,7 @@
           <a:graphicData uri="http://schemas.openxmlformats.org/presentationml/2006/ole">
             <mc:AlternateContent xmlns:mc="http://schemas.openxmlformats.org/markup-compatibility/2006">
               <mc:Choice xmlns:v="urn:schemas-microsoft-com:vml" Requires="v">
-                <p:oleObj spid="_x0000_s8213" name="Equation" r:id="rId3" imgW="1739900" imgH="584200" progId="Equation.3">
+                <p:oleObj spid="_x0000_s8214" name="Equation" r:id="rId3" imgW="1739900" imgH="584200" progId="Equation.3">
                   <p:embed/>
                 </p:oleObj>
               </mc:Choice>
@@ -7155,7 +7155,7 @@
           <a:graphicData uri="http://schemas.openxmlformats.org/presentationml/2006/ole">
             <mc:AlternateContent xmlns:mc="http://schemas.openxmlformats.org/markup-compatibility/2006">
               <mc:Choice xmlns:v="urn:schemas-microsoft-com:vml" Requires="v">
-                <p:oleObj spid="_x0000_s9256" name="Equation" r:id="rId3" imgW="3492360" imgH="533160" progId="Equation.3">
+                <p:oleObj spid="_x0000_s9258" name="Equation" r:id="rId3" imgW="3492360" imgH="533160" progId="Equation.3">
                   <p:embed/>
                 </p:oleObj>
               </mc:Choice>
@@ -7363,7 +7363,7 @@
           <a:graphicData uri="http://schemas.openxmlformats.org/presentationml/2006/ole">
             <mc:AlternateContent xmlns:mc="http://schemas.openxmlformats.org/markup-compatibility/2006">
               <mc:Choice xmlns:v="urn:schemas-microsoft-com:vml" Requires="v">
-                <p:oleObj spid="_x0000_s9257" name="Equation" r:id="rId5" imgW="2006280" imgH="279360" progId="Equation.3">
+                <p:oleObj spid="_x0000_s9259" name="Equation" r:id="rId5" imgW="2006280" imgH="279360" progId="Equation.3">
                   <p:embed/>
                 </p:oleObj>
               </mc:Choice>
@@ -7529,7 +7529,7 @@
           <a:graphicData uri="http://schemas.openxmlformats.org/presentationml/2006/ole">
             <mc:AlternateContent xmlns:mc="http://schemas.openxmlformats.org/markup-compatibility/2006">
               <mc:Choice xmlns:v="urn:schemas-microsoft-com:vml" Requires="v">
-                <p:oleObj spid="_x0000_s10299" name="Equation" r:id="rId3" imgW="1905000" imgH="571500" progId="Equation.3">
+                <p:oleObj spid="_x0000_s10302" name="Equation" r:id="rId3" imgW="1905000" imgH="571500" progId="Equation.3">
                   <p:embed/>
                 </p:oleObj>
               </mc:Choice>
@@ -7591,7 +7591,7 @@
           <a:graphicData uri="http://schemas.openxmlformats.org/presentationml/2006/ole">
             <mc:AlternateContent xmlns:mc="http://schemas.openxmlformats.org/markup-compatibility/2006">
               <mc:Choice xmlns:v="urn:schemas-microsoft-com:vml" Requires="v">
-                <p:oleObj spid="_x0000_s10300" name="Equation" r:id="rId5" imgW="1612900" imgH="711200" progId="Equation.3">
+                <p:oleObj spid="_x0000_s10303" name="Equation" r:id="rId5" imgW="1612900" imgH="711200" progId="Equation.3">
                   <p:embed/>
                 </p:oleObj>
               </mc:Choice>
@@ -7653,7 +7653,7 @@
           <a:graphicData uri="http://schemas.openxmlformats.org/presentationml/2006/ole">
             <mc:AlternateContent xmlns:mc="http://schemas.openxmlformats.org/markup-compatibility/2006">
               <mc:Choice xmlns:v="urn:schemas-microsoft-com:vml" Requires="v">
-                <p:oleObj spid="_x0000_s10301" name="Equation" r:id="rId7" imgW="1727200" imgH="571500" progId="Equation.3">
+                <p:oleObj spid="_x0000_s10304" name="Equation" r:id="rId7" imgW="1727200" imgH="571500" progId="Equation.3">
                   <p:embed/>
                 </p:oleObj>
               </mc:Choice>
@@ -8010,7 +8010,7 @@
           <a:graphicData uri="http://schemas.openxmlformats.org/presentationml/2006/ole">
             <mc:AlternateContent xmlns:mc="http://schemas.openxmlformats.org/markup-compatibility/2006">
               <mc:Choice xmlns:v="urn:schemas-microsoft-com:vml" Requires="v">
-                <p:oleObj spid="_x0000_s11304" name="Equation" r:id="rId3" imgW="1981200" imgH="431800" progId="Equation.3">
+                <p:oleObj spid="_x0000_s11306" name="Equation" r:id="rId3" imgW="1981200" imgH="431800" progId="Equation.3">
                   <p:embed/>
                 </p:oleObj>
               </mc:Choice>
@@ -8068,7 +8068,7 @@
           <a:graphicData uri="http://schemas.openxmlformats.org/presentationml/2006/ole">
             <mc:AlternateContent xmlns:mc="http://schemas.openxmlformats.org/markup-compatibility/2006">
               <mc:Choice xmlns:v="urn:schemas-microsoft-com:vml" Requires="v">
-                <p:oleObj spid="_x0000_s11305" name="Equation" r:id="rId5" imgW="1752600" imgH="406400" progId="Equation.3">
+                <p:oleObj spid="_x0000_s11307" name="Equation" r:id="rId5" imgW="1752600" imgH="406400" progId="Equation.3">
                   <p:embed/>
                 </p:oleObj>
               </mc:Choice>
@@ -8147,7 +8147,7 @@
               </a14:hiddenLine>
             </a:ext>
             <a:ext uri="{FAA26D3D-D897-4be2-8F04-BA451C77F1D7}">
-              <ma14:placeholderFlag xmlns="" xmlns:ma14="http://schemas.microsoft.com/office/mac/drawingml/2011/main" val="1"/>
+              <ma14:placeholderFlag xmlns:ma14="http://schemas.microsoft.com/office/mac/drawingml/2011/main" xmlns="" val="1"/>
             </a:ext>
           </a:extLst>
         </p:spPr>
@@ -8841,7 +8841,7 @@
               </a14:hiddenLine>
             </a:ext>
             <a:ext uri="{FAA26D3D-D897-4be2-8F04-BA451C77F1D7}">
-              <ma14:placeholderFlag xmlns="" xmlns:ma14="http://schemas.microsoft.com/office/mac/drawingml/2011/main" val="1"/>
+              <ma14:placeholderFlag xmlns:ma14="http://schemas.microsoft.com/office/mac/drawingml/2011/main" xmlns="" val="1"/>
             </a:ext>
           </a:extLst>
         </p:spPr>
@@ -13005,7 +13005,7 @@
           <a:graphicData uri="http://schemas.openxmlformats.org/presentationml/2006/ole">
             <mc:AlternateContent xmlns:mc="http://schemas.openxmlformats.org/markup-compatibility/2006">
               <mc:Choice xmlns:v="urn:schemas-microsoft-com:vml" Requires="v">
-                <p:oleObj spid="_x0000_s1045" name="Equation" r:id="rId4" imgW="1371600" imgH="419100" progId="Equation.3">
+                <p:oleObj spid="_x0000_s1046" name="Equation" r:id="rId4" imgW="1371600" imgH="419100" progId="Equation.3">
                   <p:embed/>
                 </p:oleObj>
               </mc:Choice>

--- a/Slides/Lecture 8-2.pptx
+++ b/Slides/Lecture 8-2.pptx
@@ -6,7 +6,7 @@
     <p:sldMasterId id="2147483684" r:id="rId2"/>
   </p:sldMasterIdLst>
   <p:notesMasterIdLst>
-    <p:notesMasterId r:id="rId28"/>
+    <p:notesMasterId r:id="rId29"/>
   </p:notesMasterIdLst>
   <p:sldIdLst>
     <p:sldId id="842" r:id="rId3"/>
@@ -31,9 +31,10 @@
     <p:sldId id="970" r:id="rId22"/>
     <p:sldId id="971" r:id="rId23"/>
     <p:sldId id="982" r:id="rId24"/>
-    <p:sldId id="981" r:id="rId25"/>
-    <p:sldId id="899" r:id="rId26"/>
-    <p:sldId id="879" r:id="rId27"/>
+    <p:sldId id="983" r:id="rId25"/>
+    <p:sldId id="981" r:id="rId26"/>
+    <p:sldId id="899" r:id="rId27"/>
+    <p:sldId id="879" r:id="rId28"/>
   </p:sldIdLst>
   <p:sldSz cx="9144000" cy="5143500" type="screen16x9"/>
   <p:notesSz cx="6858000" cy="9144000"/>
@@ -234,7 +235,7 @@
             <a:fld id="{A6781D3C-003D-4837-A496-9A32CDA8003A}" type="datetimeFigureOut">
               <a:rPr lang="en-US" smtClean="0"/>
               <a:pPr/>
-              <a:t>2/14/19</a:t>
+              <a:t>2/7/2019</a:t>
             </a:fld>
             <a:endParaRPr lang="en-US"/>
           </a:p>
@@ -298,37 +299,38 @@
           <a:p>
             <a:pPr lvl="0"/>
             <a:r>
-              <a:rPr lang="en-US"/>
+              <a:rPr lang="en-US" smtClean="0"/>
               <a:t>Click to edit Master text styles</a:t>
             </a:r>
           </a:p>
           <a:p>
             <a:pPr lvl="1"/>
             <a:r>
-              <a:rPr lang="en-US"/>
+              <a:rPr lang="en-US" smtClean="0"/>
               <a:t>Second level</a:t>
             </a:r>
           </a:p>
           <a:p>
             <a:pPr lvl="2"/>
             <a:r>
-              <a:rPr lang="en-US"/>
+              <a:rPr lang="en-US" smtClean="0"/>
               <a:t>Third level</a:t>
             </a:r>
           </a:p>
           <a:p>
             <a:pPr lvl="3"/>
             <a:r>
-              <a:rPr lang="en-US"/>
+              <a:rPr lang="en-US" smtClean="0"/>
               <a:t>Fourth level</a:t>
             </a:r>
           </a:p>
           <a:p>
             <a:pPr lvl="4"/>
             <a:r>
-              <a:rPr lang="en-US"/>
+              <a:rPr lang="en-US" smtClean="0"/>
               <a:t>Fifth level</a:t>
             </a:r>
+            <a:endParaRPr lang="en-US"/>
           </a:p>
         </p:txBody>
       </p:sp>
@@ -547,19 +549,19 @@
           <a:lstStyle/>
           <a:p>
             <a:r>
-              <a:rPr lang="en-US" dirty="0"/>
+              <a:rPr lang="en-US" dirty="0" smtClean="0"/>
               <a:t>Example from Ng notes:</a:t>
             </a:r>
           </a:p>
           <a:p>
             <a:r>
-              <a:rPr lang="en-US" dirty="0"/>
+              <a:rPr lang="en-US" dirty="0" smtClean="0"/>
               <a:t>Discriminative: “Consider a classification problem in which we want to learn to distinguish between elephants (y = 1) and dogs (y = 0), based on some features of an animal. Given a training set, an algorithm like logistic regression or the perceptron algorithm (basically) tries to find a straight line—that is, a decision boundary—that separates the elephants and dogs. Then, to classify a new animal as either an elephant or a dog, it checks on which side of the decision boundary it falls, and makes its prediction accordingly. “</a:t>
             </a:r>
           </a:p>
           <a:p>
             <a:r>
-              <a:rPr lang="en-US" dirty="0"/>
+              <a:rPr lang="en-US" dirty="0" smtClean="0"/>
               <a:t>Generative: “Here’s a different approach. First, looking at elephants, we can build a model of what elephants look like. Then, looking at dogs, we can build a separate model of what dogs look like. Finally, to classify a new animal, we can match the new animal against the elephant model, and match it against the dog model, to see whether the new animal looks more like the elephants or more like the dogs we had seen in the training set.” http://cs229.stanford.edu/notes/cs229-notes2.pdf</a:t>
             </a:r>
           </a:p>
@@ -658,130 +660,39 @@
           <a:lstStyle/>
           <a:p>
             <a:r>
-              <a:rPr lang="en-US" dirty="0"/>
-              <a:t>p(c) is the prior probability, and has nothing to do with d.</a:t>
-            </a:r>
-          </a:p>
-          <a:p>
-            <a:endParaRPr lang="en-US" dirty="0"/>
-          </a:p>
-        </p:txBody>
-      </p:sp>
-      <p:sp>
-        <p:nvSpPr>
-          <p:cNvPr id="4" name="Slide Number Placeholder 3"/>
-          <p:cNvSpPr>
-            <a:spLocks noGrp="1"/>
-          </p:cNvSpPr>
-          <p:nvPr>
-            <p:ph type="sldNum" sz="quarter" idx="5"/>
-          </p:nvPr>
-        </p:nvSpPr>
-        <p:spPr/>
-        <p:txBody>
-          <a:bodyPr/>
-          <a:lstStyle/>
-          <a:p>
-            <a:fld id="{6529D11D-5857-48CF-ABB8-89B8AC9FD03C}" type="slidenum">
-              <a:rPr lang="en-US" smtClean="0"/>
-              <a:pPr/>
-              <a:t>9</a:t>
-            </a:fld>
-            <a:endParaRPr lang="en-US"/>
-          </a:p>
-        </p:txBody>
-      </p:sp>
-    </p:spTree>
-    <p:extLst>
-      <p:ext uri="{BB962C8B-B14F-4D97-AF65-F5344CB8AC3E}">
-        <p14:creationId xmlns:p14="http://schemas.microsoft.com/office/powerpoint/2010/main" val="2136565647"/>
-      </p:ext>
-    </p:extLst>
-  </p:cSld>
-  <p:clrMapOvr>
-    <a:masterClrMapping/>
-  </p:clrMapOvr>
-</p:notes>
-</file>
-
-<file path=ppt/notesSlides/notesSlide3.xml><?xml version="1.0" encoding="utf-8"?>
-<p:notes xmlns:a="http://schemas.openxmlformats.org/drawingml/2006/main" xmlns:r="http://schemas.openxmlformats.org/officeDocument/2006/relationships" xmlns:p="http://schemas.openxmlformats.org/presentationml/2006/main">
-  <p:cSld>
-    <p:spTree>
-      <p:nvGrpSpPr>
-        <p:cNvPr id="1" name=""/>
-        <p:cNvGrpSpPr/>
-        <p:nvPr/>
-      </p:nvGrpSpPr>
-      <p:grpSpPr>
-        <a:xfrm>
-          <a:off x="0" y="0"/>
-          <a:ext cx="0" cy="0"/>
-          <a:chOff x="0" y="0"/>
-          <a:chExt cx="0" cy="0"/>
-        </a:xfrm>
-      </p:grpSpPr>
-      <p:sp>
-        <p:nvSpPr>
-          <p:cNvPr id="2" name="Slide Image Placeholder 1"/>
-          <p:cNvSpPr>
-            <a:spLocks noGrp="1" noRot="1" noChangeAspect="1"/>
-          </p:cNvSpPr>
-          <p:nvPr>
-            <p:ph type="sldImg"/>
-          </p:nvPr>
-        </p:nvSpPr>
-        <p:spPr/>
-      </p:sp>
-      <p:sp>
-        <p:nvSpPr>
-          <p:cNvPr id="3" name="Notes Placeholder 2"/>
-          <p:cNvSpPr>
-            <a:spLocks noGrp="1"/>
-          </p:cNvSpPr>
-          <p:nvPr>
-            <p:ph type="body" idx="1"/>
-          </p:nvPr>
-        </p:nvSpPr>
-        <p:spPr/>
-        <p:txBody>
-          <a:bodyPr/>
-          <a:lstStyle/>
-          <a:p>
-            <a:r>
-              <a:rPr lang="en-US" dirty="0"/>
+              <a:rPr lang="en-US" dirty="0" smtClean="0"/>
               <a:t>We want to find the most likely class, given the document. That is, the c that maximizes</a:t>
             </a:r>
             <a:r>
-              <a:rPr lang="en-US" baseline="0" dirty="0"/>
+              <a:rPr lang="en-US" baseline="0" dirty="0" smtClean="0"/>
               <a:t> P(</a:t>
             </a:r>
             <a:r>
-              <a:rPr lang="en-US" baseline="0" dirty="0" err="1"/>
+              <a:rPr lang="en-US" baseline="0" dirty="0" err="1" smtClean="0"/>
               <a:t>c|d</a:t>
             </a:r>
             <a:r>
-              <a:rPr lang="en-US" baseline="0" dirty="0"/>
+              <a:rPr lang="en-US" baseline="0" dirty="0" smtClean="0"/>
               <a:t>).</a:t>
             </a:r>
           </a:p>
           <a:p>
             <a:r>
-              <a:rPr lang="en-US" baseline="0" dirty="0"/>
+              <a:rPr lang="en-US" baseline="0" dirty="0" smtClean="0"/>
               <a:t>We apply Bayes’ Rule.</a:t>
             </a:r>
           </a:p>
           <a:p>
             <a:r>
-              <a:rPr lang="en-US" baseline="0" dirty="0"/>
+              <a:rPr lang="en-US" baseline="0" dirty="0" smtClean="0"/>
               <a:t>The denominator of the second line doesn’t depend on c. So the c that maximizes the second line will be exactly the same as the c that maximizes the third line. We can safely drop the denominator because we’re looking for the </a:t>
             </a:r>
             <a:r>
-              <a:rPr lang="en-US" baseline="0" dirty="0" err="1"/>
+              <a:rPr lang="en-US" baseline="0" dirty="0" err="1" smtClean="0"/>
               <a:t>argmax</a:t>
             </a:r>
             <a:r>
-              <a:rPr lang="en-US" baseline="0" dirty="0"/>
+              <a:rPr lang="en-US" baseline="0" dirty="0" smtClean="0"/>
               <a:t>. </a:t>
             </a:r>
             <a:endParaRPr lang="en-US" dirty="0"/>
@@ -824,99 +735,6 @@
     <p:extLst>
       <p:ext uri="{BB962C8B-B14F-4D97-AF65-F5344CB8AC3E}">
         <p14:creationId xmlns:p14="http://schemas.microsoft.com/office/powerpoint/2010/main" val="367645430"/>
-      </p:ext>
-    </p:extLst>
-  </p:cSld>
-  <p:clrMapOvr>
-    <a:masterClrMapping/>
-  </p:clrMapOvr>
-</p:notes>
-</file>
-
-<file path=ppt/notesSlides/notesSlide4.xml><?xml version="1.0" encoding="utf-8"?>
-<p:notes xmlns:a="http://schemas.openxmlformats.org/drawingml/2006/main" xmlns:r="http://schemas.openxmlformats.org/officeDocument/2006/relationships" xmlns:p="http://schemas.openxmlformats.org/presentationml/2006/main">
-  <p:cSld>
-    <p:spTree>
-      <p:nvGrpSpPr>
-        <p:cNvPr id="1" name=""/>
-        <p:cNvGrpSpPr/>
-        <p:nvPr/>
-      </p:nvGrpSpPr>
-      <p:grpSpPr>
-        <a:xfrm>
-          <a:off x="0" y="0"/>
-          <a:ext cx="0" cy="0"/>
-          <a:chOff x="0" y="0"/>
-          <a:chExt cx="0" cy="0"/>
-        </a:xfrm>
-      </p:grpSpPr>
-      <p:sp>
-        <p:nvSpPr>
-          <p:cNvPr id="2" name="Slide Image Placeholder 1"/>
-          <p:cNvSpPr>
-            <a:spLocks noGrp="1" noRot="1" noChangeAspect="1"/>
-          </p:cNvSpPr>
-          <p:nvPr>
-            <p:ph type="sldImg"/>
-          </p:nvPr>
-        </p:nvSpPr>
-        <p:spPr/>
-      </p:sp>
-      <p:sp>
-        <p:nvSpPr>
-          <p:cNvPr id="3" name="Notes Placeholder 2"/>
-          <p:cNvSpPr>
-            <a:spLocks noGrp="1"/>
-          </p:cNvSpPr>
-          <p:nvPr>
-            <p:ph type="body" idx="1"/>
-          </p:nvPr>
-        </p:nvSpPr>
-        <p:spPr/>
-        <p:txBody>
-          <a:bodyPr/>
-          <a:lstStyle/>
-          <a:p>
-            <a:r>
-              <a:rPr lang="en-US" dirty="0"/>
-              <a:t>M represents training in terms of features, then </a:t>
-            </a:r>
-            <a:r>
-              <a:rPr lang="en-US"/>
-              <a:t>normalize it.</a:t>
-            </a:r>
-            <a:endParaRPr lang="en-US" dirty="0"/>
-          </a:p>
-        </p:txBody>
-      </p:sp>
-      <p:sp>
-        <p:nvSpPr>
-          <p:cNvPr id="4" name="Slide Number Placeholder 3"/>
-          <p:cNvSpPr>
-            <a:spLocks noGrp="1"/>
-          </p:cNvSpPr>
-          <p:nvPr>
-            <p:ph type="sldNum" sz="quarter" idx="5"/>
-          </p:nvPr>
-        </p:nvSpPr>
-        <p:spPr/>
-        <p:txBody>
-          <a:bodyPr/>
-          <a:lstStyle/>
-          <a:p>
-            <a:fld id="{6529D11D-5857-48CF-ABB8-89B8AC9FD03C}" type="slidenum">
-              <a:rPr lang="en-US" smtClean="0"/>
-              <a:pPr/>
-              <a:t>20</a:t>
-            </a:fld>
-            <a:endParaRPr lang="en-US"/>
-          </a:p>
-        </p:txBody>
-      </p:sp>
-    </p:spTree>
-    <p:extLst>
-      <p:ext uri="{BB962C8B-B14F-4D97-AF65-F5344CB8AC3E}">
-        <p14:creationId xmlns:p14="http://schemas.microsoft.com/office/powerpoint/2010/main" val="3375954687"/>
       </p:ext>
     </p:extLst>
   </p:cSld>
@@ -991,9 +809,10 @@
           </a:lstStyle>
           <a:p>
             <a:r>
-              <a:rPr lang="en-US" dirty="0"/>
+              <a:rPr lang="en-US" dirty="0" smtClean="0"/>
               <a:t>Click to edit Master title style</a:t>
             </a:r>
+            <a:endParaRPr lang="en-US" dirty="0"/>
           </a:p>
         </p:txBody>
       </p:sp>
@@ -1118,9 +937,10 @@
           </a:lstStyle>
           <a:p>
             <a:r>
-              <a:rPr lang="en-US" dirty="0"/>
+              <a:rPr lang="en-US" dirty="0" smtClean="0"/>
               <a:t>Click to edit Master subtitle style</a:t>
             </a:r>
+            <a:endParaRPr lang="en-US" dirty="0"/>
           </a:p>
         </p:txBody>
       </p:sp>
@@ -1175,9 +995,10 @@
           <a:lstStyle/>
           <a:p>
             <a:r>
-              <a:rPr lang="en-US"/>
+              <a:rPr lang="en-US" smtClean="0"/>
               <a:t>Click to edit Master title style</a:t>
             </a:r>
+            <a:endParaRPr lang="en-US"/>
           </a:p>
         </p:txBody>
       </p:sp>
@@ -1239,9 +1060,10 @@
           </a:lstStyle>
           <a:p>
             <a:r>
-              <a:rPr lang="en-US"/>
+              <a:rPr lang="en-US" smtClean="0"/>
               <a:t>Click to edit Master subtitle style</a:t>
             </a:r>
+            <a:endParaRPr lang="en-US"/>
           </a:p>
         </p:txBody>
       </p:sp>
@@ -1347,6 +1169,13 @@
   <p:clrMapOvr>
     <a:masterClrMapping/>
   </p:clrMapOvr>
+  <p:timing>
+    <p:tnLst>
+      <p:par>
+        <p:cTn id="1" dur="indefinite" restart="never" nodeType="tmRoot"/>
+      </p:par>
+    </p:tnLst>
+  </p:timing>
 </p:sldLayout>
 </file>
 
@@ -1390,9 +1219,10 @@
           </a:lstStyle>
           <a:p>
             <a:r>
-              <a:rPr lang="en-US" dirty="0"/>
+              <a:rPr lang="en-US" dirty="0" smtClean="0"/>
               <a:t>Click to edit Master title style</a:t>
             </a:r>
+            <a:endParaRPr lang="en-US" dirty="0"/>
           </a:p>
         </p:txBody>
       </p:sp>
@@ -1444,37 +1274,38 @@
           <a:p>
             <a:pPr lvl="0"/>
             <a:r>
-              <a:rPr lang="en-US" dirty="0"/>
+              <a:rPr lang="en-US" dirty="0" smtClean="0"/>
               <a:t>Click to edit Master text styles</a:t>
             </a:r>
           </a:p>
           <a:p>
             <a:pPr lvl="1"/>
             <a:r>
-              <a:rPr lang="en-US" dirty="0"/>
+              <a:rPr lang="en-US" dirty="0" smtClean="0"/>
               <a:t>Second level</a:t>
             </a:r>
           </a:p>
           <a:p>
             <a:pPr lvl="2"/>
             <a:r>
-              <a:rPr lang="en-US" dirty="0"/>
+              <a:rPr lang="en-US" dirty="0" smtClean="0"/>
               <a:t>Third level</a:t>
             </a:r>
           </a:p>
           <a:p>
             <a:pPr lvl="3"/>
             <a:r>
-              <a:rPr lang="en-US" dirty="0"/>
+              <a:rPr lang="en-US" dirty="0" smtClean="0"/>
               <a:t>Fourth level</a:t>
             </a:r>
           </a:p>
           <a:p>
             <a:pPr lvl="4"/>
             <a:r>
-              <a:rPr lang="en-US" dirty="0"/>
+              <a:rPr lang="en-US" dirty="0" smtClean="0"/>
               <a:t>Fifth level</a:t>
             </a:r>
+            <a:endParaRPr lang="en-US" dirty="0"/>
           </a:p>
         </p:txBody>
       </p:sp>
@@ -1747,6 +1578,13 @@
   <p:clrMapOvr>
     <a:masterClrMapping/>
   </p:clrMapOvr>
+  <p:timing>
+    <p:tnLst>
+      <p:par>
+        <p:cTn id="1" dur="indefinite" restart="never" nodeType="tmRoot"/>
+      </p:par>
+    </p:tnLst>
+  </p:timing>
 </p:sldLayout>
 </file>
 
@@ -1808,9 +1646,10 @@
           </a:lstStyle>
           <a:p>
             <a:r>
-              <a:rPr lang="en-US" dirty="0"/>
+              <a:rPr lang="en-US" dirty="0" smtClean="0"/>
               <a:t>Click to edit Master title style</a:t>
             </a:r>
+            <a:endParaRPr lang="en-US" dirty="0"/>
           </a:p>
         </p:txBody>
       </p:sp>
@@ -1836,35 +1675,35 @@
           <a:p>
             <a:pPr lvl="0"/>
             <a:r>
-              <a:rPr lang="en-US"/>
+              <a:rPr lang="en-US" smtClean="0"/>
               <a:t>Click to edit Master text styles</a:t>
             </a:r>
           </a:p>
           <a:p>
             <a:pPr lvl="1"/>
             <a:r>
-              <a:rPr lang="en-US"/>
+              <a:rPr lang="en-US" smtClean="0"/>
               <a:t>Second level</a:t>
             </a:r>
           </a:p>
           <a:p>
             <a:pPr lvl="2"/>
             <a:r>
-              <a:rPr lang="en-US"/>
+              <a:rPr lang="en-US" smtClean="0"/>
               <a:t>Third level</a:t>
             </a:r>
           </a:p>
           <a:p>
             <a:pPr lvl="3"/>
             <a:r>
-              <a:rPr lang="en-US"/>
+              <a:rPr lang="en-US" smtClean="0"/>
               <a:t>Fourth level</a:t>
             </a:r>
           </a:p>
           <a:p>
             <a:pPr lvl="4"/>
             <a:r>
-              <a:rPr lang="en-US"/>
+              <a:rPr lang="en-US" smtClean="0"/>
               <a:t>Fifth level</a:t>
             </a:r>
             <a:endParaRPr lang="en-US" dirty="0"/>
@@ -1933,7 +1772,7 @@
           </a:lstStyle>
           <a:p>
             <a:r>
-              <a:rPr lang="en-US"/>
+              <a:rPr lang="en-US" smtClean="0"/>
               <a:t>Click to edit Master title style</a:t>
             </a:r>
             <a:endParaRPr lang="en-US" dirty="0"/>
@@ -2053,7 +1892,7 @@
           <a:p>
             <a:pPr lvl="0"/>
             <a:r>
-              <a:rPr lang="en-US"/>
+              <a:rPr lang="en-US" smtClean="0"/>
               <a:t>Click to edit Master text styles</a:t>
             </a:r>
           </a:p>
@@ -2123,7 +1962,7 @@
           </a:lstStyle>
           <a:p>
             <a:r>
-              <a:rPr lang="en-US"/>
+              <a:rPr lang="en-US" smtClean="0"/>
               <a:t>Click to edit Master title style</a:t>
             </a:r>
             <a:endParaRPr lang="en-US" dirty="0"/>
@@ -2198,35 +2037,35 @@
           <a:p>
             <a:pPr lvl="0"/>
             <a:r>
-              <a:rPr lang="en-US"/>
+              <a:rPr lang="en-US" smtClean="0"/>
               <a:t>Click to edit Master text styles</a:t>
             </a:r>
           </a:p>
           <a:p>
             <a:pPr lvl="1"/>
             <a:r>
-              <a:rPr lang="en-US"/>
+              <a:rPr lang="en-US" smtClean="0"/>
               <a:t>Second level</a:t>
             </a:r>
           </a:p>
           <a:p>
             <a:pPr lvl="2"/>
             <a:r>
-              <a:rPr lang="en-US"/>
+              <a:rPr lang="en-US" smtClean="0"/>
               <a:t>Third level</a:t>
             </a:r>
           </a:p>
           <a:p>
             <a:pPr lvl="3"/>
             <a:r>
-              <a:rPr lang="en-US"/>
+              <a:rPr lang="en-US" smtClean="0"/>
               <a:t>Fourth level</a:t>
             </a:r>
           </a:p>
           <a:p>
             <a:pPr lvl="4"/>
             <a:r>
-              <a:rPr lang="en-US"/>
+              <a:rPr lang="en-US" smtClean="0"/>
               <a:t>Fifth level</a:t>
             </a:r>
             <a:endParaRPr lang="en-US" dirty="0"/>
@@ -2301,35 +2140,35 @@
           <a:p>
             <a:pPr lvl="0"/>
             <a:r>
-              <a:rPr lang="en-US"/>
+              <a:rPr lang="en-US" smtClean="0"/>
               <a:t>Click to edit Master text styles</a:t>
             </a:r>
           </a:p>
           <a:p>
             <a:pPr lvl="1"/>
             <a:r>
-              <a:rPr lang="en-US"/>
+              <a:rPr lang="en-US" smtClean="0"/>
               <a:t>Second level</a:t>
             </a:r>
           </a:p>
           <a:p>
             <a:pPr lvl="2"/>
             <a:r>
-              <a:rPr lang="en-US"/>
+              <a:rPr lang="en-US" smtClean="0"/>
               <a:t>Third level</a:t>
             </a:r>
           </a:p>
           <a:p>
             <a:pPr lvl="3"/>
             <a:r>
-              <a:rPr lang="en-US"/>
+              <a:rPr lang="en-US" smtClean="0"/>
               <a:t>Fourth level</a:t>
             </a:r>
           </a:p>
           <a:p>
             <a:pPr lvl="4"/>
             <a:r>
-              <a:rPr lang="en-US"/>
+              <a:rPr lang="en-US" smtClean="0"/>
               <a:t>Fifth level</a:t>
             </a:r>
             <a:endParaRPr lang="en-US" dirty="0"/>
@@ -2400,7 +2239,7 @@
           </a:lstStyle>
           <a:p>
             <a:r>
-              <a:rPr lang="en-US"/>
+              <a:rPr lang="en-US" smtClean="0"/>
               <a:t>Click to edit Master title style</a:t>
             </a:r>
             <a:endParaRPr lang="en-US" dirty="0"/>
@@ -2475,7 +2314,7 @@
           <a:p>
             <a:pPr lvl="0"/>
             <a:r>
-              <a:rPr lang="en-US"/>
+              <a:rPr lang="en-US" smtClean="0"/>
               <a:t>Click to edit Master text styles</a:t>
             </a:r>
           </a:p>
@@ -2546,35 +2385,35 @@
           <a:p>
             <a:pPr lvl="0"/>
             <a:r>
-              <a:rPr lang="en-US"/>
+              <a:rPr lang="en-US" smtClean="0"/>
               <a:t>Click to edit Master text styles</a:t>
             </a:r>
           </a:p>
           <a:p>
             <a:pPr lvl="1"/>
             <a:r>
-              <a:rPr lang="en-US"/>
+              <a:rPr lang="en-US" smtClean="0"/>
               <a:t>Second level</a:t>
             </a:r>
           </a:p>
           <a:p>
             <a:pPr lvl="2"/>
             <a:r>
-              <a:rPr lang="en-US"/>
+              <a:rPr lang="en-US" smtClean="0"/>
               <a:t>Third level</a:t>
             </a:r>
           </a:p>
           <a:p>
             <a:pPr lvl="3"/>
             <a:r>
-              <a:rPr lang="en-US"/>
+              <a:rPr lang="en-US" smtClean="0"/>
               <a:t>Fourth level</a:t>
             </a:r>
           </a:p>
           <a:p>
             <a:pPr lvl="4"/>
             <a:r>
-              <a:rPr lang="en-US"/>
+              <a:rPr lang="en-US" smtClean="0"/>
               <a:t>Fifth level</a:t>
             </a:r>
             <a:endParaRPr lang="en-US" dirty="0"/>
@@ -2649,7 +2488,7 @@
           <a:p>
             <a:pPr lvl="0"/>
             <a:r>
-              <a:rPr lang="en-US"/>
+              <a:rPr lang="en-US" smtClean="0"/>
               <a:t>Click to edit Master text styles</a:t>
             </a:r>
           </a:p>
@@ -2720,35 +2559,35 @@
           <a:p>
             <a:pPr lvl="0"/>
             <a:r>
-              <a:rPr lang="en-US"/>
+              <a:rPr lang="en-US" smtClean="0"/>
               <a:t>Click to edit Master text styles</a:t>
             </a:r>
           </a:p>
           <a:p>
             <a:pPr lvl="1"/>
             <a:r>
-              <a:rPr lang="en-US"/>
+              <a:rPr lang="en-US" smtClean="0"/>
               <a:t>Second level</a:t>
             </a:r>
           </a:p>
           <a:p>
             <a:pPr lvl="2"/>
             <a:r>
-              <a:rPr lang="en-US"/>
+              <a:rPr lang="en-US" smtClean="0"/>
               <a:t>Third level</a:t>
             </a:r>
           </a:p>
           <a:p>
             <a:pPr lvl="3"/>
             <a:r>
-              <a:rPr lang="en-US"/>
+              <a:rPr lang="en-US" smtClean="0"/>
               <a:t>Fourth level</a:t>
             </a:r>
           </a:p>
           <a:p>
             <a:pPr lvl="4"/>
             <a:r>
-              <a:rPr lang="en-US"/>
+              <a:rPr lang="en-US" smtClean="0"/>
               <a:t>Fifth level</a:t>
             </a:r>
             <a:endParaRPr lang="en-US" dirty="0"/>
@@ -2819,7 +2658,7 @@
           </a:lstStyle>
           <a:p>
             <a:r>
-              <a:rPr lang="en-US"/>
+              <a:rPr lang="en-US" smtClean="0"/>
               <a:t>Click to edit Master title style</a:t>
             </a:r>
             <a:endParaRPr lang="en-US" dirty="0"/>
@@ -2920,7 +2759,7 @@
           </a:lstStyle>
           <a:p>
             <a:r>
-              <a:rPr lang="en-US"/>
+              <a:rPr lang="en-US" smtClean="0"/>
               <a:t>Click to edit Master title style</a:t>
             </a:r>
             <a:endParaRPr lang="en-US" dirty="0"/>
@@ -2995,35 +2834,35 @@
           <a:p>
             <a:pPr lvl="0"/>
             <a:r>
-              <a:rPr lang="en-US"/>
+              <a:rPr lang="en-US" smtClean="0"/>
               <a:t>Click to edit Master text styles</a:t>
             </a:r>
           </a:p>
           <a:p>
             <a:pPr lvl="1"/>
             <a:r>
-              <a:rPr lang="en-US"/>
+              <a:rPr lang="en-US" smtClean="0"/>
               <a:t>Second level</a:t>
             </a:r>
           </a:p>
           <a:p>
             <a:pPr lvl="2"/>
             <a:r>
-              <a:rPr lang="en-US"/>
+              <a:rPr lang="en-US" smtClean="0"/>
               <a:t>Third level</a:t>
             </a:r>
           </a:p>
           <a:p>
             <a:pPr lvl="3"/>
             <a:r>
-              <a:rPr lang="en-US"/>
+              <a:rPr lang="en-US" smtClean="0"/>
               <a:t>Fourth level</a:t>
             </a:r>
           </a:p>
           <a:p>
             <a:pPr lvl="4"/>
             <a:r>
-              <a:rPr lang="en-US"/>
+              <a:rPr lang="en-US" smtClean="0"/>
               <a:t>Fifth level</a:t>
             </a:r>
             <a:endParaRPr lang="en-US" dirty="0"/>
@@ -3095,7 +2934,7 @@
           <a:p>
             <a:pPr lvl="0"/>
             <a:r>
-              <a:rPr lang="en-US"/>
+              <a:rPr lang="en-US" smtClean="0"/>
               <a:t>Click to edit Master text styles</a:t>
             </a:r>
           </a:p>
@@ -3165,7 +3004,7 @@
           </a:lstStyle>
           <a:p>
             <a:r>
-              <a:rPr lang="en-US"/>
+              <a:rPr lang="en-US" smtClean="0"/>
               <a:t>Click to edit Master title style</a:t>
             </a:r>
             <a:endParaRPr lang="en-US" dirty="0"/>
@@ -3230,9 +3069,10 @@
           </a:lstStyle>
           <a:p>
             <a:r>
-              <a:rPr lang="en-US"/>
+              <a:rPr lang="en-US" smtClean="0"/>
               <a:t>Click icon to add picture</a:t>
             </a:r>
+            <a:endParaRPr lang="en-US"/>
           </a:p>
         </p:txBody>
       </p:sp>
@@ -3301,7 +3141,7 @@
           <a:p>
             <a:pPr lvl="0"/>
             <a:r>
-              <a:rPr lang="en-US"/>
+              <a:rPr lang="en-US" smtClean="0"/>
               <a:t>Click to edit Master text styles</a:t>
             </a:r>
           </a:p>
@@ -3372,35 +3212,35 @@
           <a:p>
             <a:pPr lvl="0"/>
             <a:r>
-              <a:rPr lang="en-US"/>
+              <a:rPr lang="en-US" smtClean="0"/>
               <a:t>Click to edit Master text styles</a:t>
             </a:r>
           </a:p>
           <a:p>
             <a:pPr lvl="1"/>
             <a:r>
-              <a:rPr lang="en-US"/>
+              <a:rPr lang="en-US" smtClean="0"/>
               <a:t>Second level</a:t>
             </a:r>
           </a:p>
           <a:p>
             <a:pPr lvl="2"/>
             <a:r>
-              <a:rPr lang="en-US"/>
+              <a:rPr lang="en-US" smtClean="0"/>
               <a:t>Third level</a:t>
             </a:r>
           </a:p>
           <a:p>
             <a:pPr lvl="3"/>
             <a:r>
-              <a:rPr lang="en-US"/>
+              <a:rPr lang="en-US" smtClean="0"/>
               <a:t>Fourth level</a:t>
             </a:r>
           </a:p>
           <a:p>
             <a:pPr lvl="4"/>
             <a:r>
-              <a:rPr lang="en-US"/>
+              <a:rPr lang="en-US" smtClean="0"/>
               <a:t>Fifth level</a:t>
             </a:r>
             <a:endParaRPr lang="en-US" dirty="0"/>
@@ -3426,6 +3266,13 @@
     <p:sldLayoutId id="2147483656" r:id="rId8"/>
     <p:sldLayoutId id="2147483657" r:id="rId9"/>
   </p:sldLayoutIdLst>
+  <p:timing>
+    <p:tnLst>
+      <p:par>
+        <p:cTn id="1" dur="indefinite" restart="never" nodeType="tmRoot"/>
+      </p:par>
+    </p:tnLst>
+  </p:timing>
   <p:txStyles>
     <p:titleStyle>
       <a:lvl1pPr algn="ctr" defTabSz="457200" rtl="0" eaLnBrk="1" latinLnBrk="0" hangingPunct="1">
@@ -3798,7 +3645,7 @@
           <a:p>
             <a:pPr lvl="0"/>
             <a:r>
-              <a:rPr lang="en-US" dirty="0"/>
+              <a:rPr lang="en-US" dirty="0" smtClean="0"/>
               <a:t>Click to edit Master title style</a:t>
             </a:r>
           </a:p>
@@ -3840,35 +3687,35 @@
           <a:p>
             <a:pPr lvl="0"/>
             <a:r>
-              <a:rPr lang="en-US" dirty="0"/>
+              <a:rPr lang="en-US" dirty="0" smtClean="0"/>
               <a:t>Click to edit Master text styles</a:t>
             </a:r>
           </a:p>
           <a:p>
             <a:pPr lvl="1"/>
             <a:r>
-              <a:rPr lang="en-US" dirty="0"/>
+              <a:rPr lang="en-US" dirty="0" smtClean="0"/>
               <a:t>Second level</a:t>
             </a:r>
           </a:p>
           <a:p>
             <a:pPr lvl="2"/>
             <a:r>
-              <a:rPr lang="en-US" dirty="0"/>
+              <a:rPr lang="en-US" dirty="0" smtClean="0"/>
               <a:t>Third level</a:t>
             </a:r>
           </a:p>
           <a:p>
             <a:pPr lvl="3"/>
             <a:r>
-              <a:rPr lang="en-US" dirty="0"/>
+              <a:rPr lang="en-US" dirty="0" smtClean="0"/>
               <a:t>Fourth level</a:t>
             </a:r>
           </a:p>
           <a:p>
             <a:pPr lvl="4"/>
             <a:r>
-              <a:rPr lang="en-US" dirty="0"/>
+              <a:rPr lang="en-US" dirty="0" smtClean="0"/>
               <a:t>Fifth level</a:t>
             </a:r>
           </a:p>
@@ -4530,11 +4377,14 @@
           <a:lstStyle/>
           <a:p>
             <a:r>
-              <a:rPr lang="en-US" sz="18000" dirty="0">
+              <a:rPr lang="en-US" sz="18000" dirty="0" smtClean="0">
                 <a:latin typeface="Rockwell Extra Bold" panose="02060903040505020403" pitchFamily="18" charset="0"/>
               </a:rPr>
               <a:t>NLP</a:t>
             </a:r>
+            <a:endParaRPr lang="en-US" sz="18000" dirty="0">
+              <a:latin typeface="Rockwell Extra Bold" panose="02060903040505020403" pitchFamily="18" charset="0"/>
+            </a:endParaRPr>
           </a:p>
         </p:txBody>
       </p:sp>
@@ -4548,6 +4398,13 @@
   <p:clrMapOvr>
     <a:masterClrMapping/>
   </p:clrMapOvr>
+  <p:timing>
+    <p:tnLst>
+      <p:par>
+        <p:cTn id="1" dur="indefinite" restart="never" nodeType="tmRoot"/>
+      </p:par>
+    </p:tnLst>
+  </p:timing>
 </p:sld>
 </file>
 
@@ -4584,19 +4441,19 @@
           <a:lstStyle/>
           <a:p>
             <a:r>
-              <a:rPr lang="en-US" dirty="0"/>
+              <a:rPr lang="en-US" dirty="0" smtClean="0"/>
               <a:t>Na</a:t>
             </a:r>
             <a:r>
-              <a:rPr lang="fr-FR" dirty="0" err="1"/>
+              <a:rPr lang="fr-FR" dirty="0" err="1" smtClean="0"/>
               <a:t>ï</a:t>
             </a:r>
             <a:r>
-              <a:rPr lang="en-US" dirty="0" err="1"/>
+              <a:rPr lang="en-US" dirty="0" err="1" smtClean="0"/>
               <a:t>ve</a:t>
             </a:r>
             <a:r>
-              <a:rPr lang="en-US" dirty="0"/>
+              <a:rPr lang="en-US" dirty="0" smtClean="0"/>
               <a:t> Bayes Classifier</a:t>
             </a:r>
           </a:p>
@@ -4620,7 +4477,7 @@
           <a:graphicData uri="http://schemas.openxmlformats.org/presentationml/2006/ole">
             <mc:AlternateContent xmlns:mc="http://schemas.openxmlformats.org/markup-compatibility/2006">
               <mc:Choice xmlns:v="urn:schemas-microsoft-com:vml" Requires="v">
-                <p:oleObj spid="_x0000_s2110" name="Equation" r:id="rId4" imgW="1371600" imgH="292100" progId="Equation.3">
+                <p:oleObj spid="_x0000_s2101" name="Equation" r:id="rId4" imgW="1371600" imgH="292100" progId="Equation.3">
                   <p:embed/>
                 </p:oleObj>
               </mc:Choice>
@@ -4681,7 +4538,7 @@
           <a:graphicData uri="http://schemas.openxmlformats.org/presentationml/2006/ole">
             <mc:AlternateContent xmlns:mc="http://schemas.openxmlformats.org/markup-compatibility/2006">
               <mc:Choice xmlns:v="urn:schemas-microsoft-com:vml" Requires="v">
-                <p:oleObj spid="_x0000_s2111" name="Equation" r:id="rId6" imgW="1371600" imgH="419100" progId="Equation.3">
+                <p:oleObj spid="_x0000_s2102" name="Equation" r:id="rId6" imgW="1371600" imgH="419100" progId="Equation.3">
                   <p:embed/>
                 </p:oleObj>
               </mc:Choice>
@@ -4742,7 +4599,7 @@
           <a:graphicData uri="http://schemas.openxmlformats.org/presentationml/2006/ole">
             <mc:AlternateContent xmlns:mc="http://schemas.openxmlformats.org/markup-compatibility/2006">
               <mc:Choice xmlns:v="urn:schemas-microsoft-com:vml" Requires="v">
-                <p:oleObj spid="_x0000_s2112" name="Equation" r:id="rId8" imgW="1346200" imgH="292100" progId="Equation.3">
+                <p:oleObj spid="_x0000_s2103" name="Equation" r:id="rId8" imgW="1346200" imgH="292100" progId="Equation.3">
                   <p:embed/>
                 </p:oleObj>
               </mc:Choice>
@@ -4833,13 +4690,18 @@
               <a:defRPr/>
             </a:pPr>
             <a:r>
-              <a:rPr lang="en-US" altLang="zh-TW" sz="1600" dirty="0">
+              <a:rPr lang="en-US" altLang="zh-TW" sz="1600" dirty="0" smtClean="0">
                 <a:solidFill>
                   <a:prstClr val="black"/>
                 </a:solidFill>
               </a:rPr>
               <a:t>MAP is “maximum a posteriori”  = most likely class</a:t>
             </a:r>
+            <a:endParaRPr lang="en-US" altLang="zh-TW" sz="1600" dirty="0">
+              <a:solidFill>
+                <a:prstClr val="black"/>
+              </a:solidFill>
+            </a:endParaRPr>
           </a:p>
         </p:txBody>
       </p:sp>
@@ -4891,13 +4753,18 @@
               <a:defRPr/>
             </a:pPr>
             <a:r>
-              <a:rPr lang="en-US" altLang="zh-TW" sz="1600" dirty="0">
+              <a:rPr lang="en-US" altLang="zh-TW" sz="1600" dirty="0" smtClean="0">
                 <a:solidFill>
                   <a:prstClr val="black"/>
                 </a:solidFill>
               </a:rPr>
               <a:t>Bayes Rule</a:t>
             </a:r>
+            <a:endParaRPr lang="en-US" altLang="zh-TW" sz="1600" dirty="0">
+              <a:solidFill>
+                <a:prstClr val="black"/>
+              </a:solidFill>
+            </a:endParaRPr>
           </a:p>
         </p:txBody>
       </p:sp>
@@ -4949,13 +4816,18 @@
               <a:defRPr/>
             </a:pPr>
             <a:r>
-              <a:rPr lang="en-US" altLang="zh-TW" sz="1600" dirty="0">
+              <a:rPr lang="en-US" altLang="zh-TW" sz="1600" dirty="0" smtClean="0">
                 <a:solidFill>
                   <a:prstClr val="black"/>
                 </a:solidFill>
               </a:rPr>
               <a:t>Dropping the denominator</a:t>
             </a:r>
+            <a:endParaRPr lang="en-US" altLang="zh-TW" sz="1600" dirty="0">
+              <a:solidFill>
+                <a:prstClr val="black"/>
+              </a:solidFill>
+            </a:endParaRPr>
           </a:p>
         </p:txBody>
       </p:sp>
@@ -4970,6 +4842,13 @@
     <a:masterClrMapping/>
   </p:clrMapOvr>
   <p:transition/>
+  <p:timing>
+    <p:tnLst>
+      <p:par>
+        <p:cTn id="1" dur="indefinite" restart="never" nodeType="tmRoot"/>
+      </p:par>
+    </p:tnLst>
+  </p:timing>
 </p:sld>
 </file>
 
@@ -5006,19 +4885,19 @@
           <a:lstStyle/>
           <a:p>
             <a:r>
-              <a:rPr lang="en-US" dirty="0"/>
+              <a:rPr lang="en-US" dirty="0" smtClean="0"/>
               <a:t>Na</a:t>
             </a:r>
             <a:r>
-              <a:rPr lang="fr-FR" dirty="0" err="1"/>
+              <a:rPr lang="fr-FR" dirty="0" err="1" smtClean="0"/>
               <a:t>ï</a:t>
             </a:r>
             <a:r>
-              <a:rPr lang="en-US" dirty="0" err="1"/>
+              <a:rPr lang="en-US" dirty="0" err="1" smtClean="0"/>
               <a:t>ve</a:t>
             </a:r>
             <a:r>
-              <a:rPr lang="en-US" dirty="0"/>
+              <a:rPr lang="en-US" dirty="0" smtClean="0"/>
               <a:t> Bayes Classifier</a:t>
             </a:r>
           </a:p>
@@ -5042,7 +4921,7 @@
           <a:graphicData uri="http://schemas.openxmlformats.org/presentationml/2006/ole">
             <mc:AlternateContent xmlns:mc="http://schemas.openxmlformats.org/markup-compatibility/2006">
               <mc:Choice xmlns:v="urn:schemas-microsoft-com:vml" Requires="v">
-                <p:oleObj spid="_x0000_s3114" name="Equation" r:id="rId3" imgW="1651000" imgH="292100" progId="Equation.3">
+                <p:oleObj spid="_x0000_s3108" name="Equation" r:id="rId3" imgW="1651000" imgH="292100" progId="Equation.3">
                   <p:embed/>
                 </p:oleObj>
               </mc:Choice>
@@ -5133,13 +5012,18 @@
               <a:defRPr/>
             </a:pPr>
             <a:r>
-              <a:rPr lang="en-US" altLang="zh-TW" sz="1600" dirty="0">
+              <a:rPr lang="en-US" altLang="zh-TW" sz="1600" dirty="0" smtClean="0">
                 <a:solidFill>
                   <a:prstClr val="black"/>
                 </a:solidFill>
               </a:rPr>
               <a:t>Document d represented as features x1..xn</a:t>
             </a:r>
+            <a:endParaRPr lang="en-US" altLang="zh-TW" sz="1600" dirty="0">
+              <a:solidFill>
+                <a:prstClr val="black"/>
+              </a:solidFill>
+            </a:endParaRPr>
           </a:p>
         </p:txBody>
       </p:sp>
@@ -5165,7 +5049,7 @@
           <a:graphicData uri="http://schemas.openxmlformats.org/presentationml/2006/ole">
             <mc:AlternateContent xmlns:mc="http://schemas.openxmlformats.org/markup-compatibility/2006">
               <mc:Choice xmlns:v="urn:schemas-microsoft-com:vml" Requires="v">
-                <p:oleObj spid="_x0000_s3115" name="Equation" r:id="rId5" imgW="1993680" imgH="304560" progId="Equation.3">
+                <p:oleObj spid="_x0000_s3109" name="Equation" r:id="rId5" imgW="1993680" imgH="304560" progId="Equation.3">
                   <p:embed/>
                 </p:oleObj>
               </mc:Choice>
@@ -5231,7 +5115,7 @@
           <a:lstStyle/>
           <a:p>
             <a:r>
-              <a:rPr lang="en-US" dirty="0">
+              <a:rPr lang="en-US" dirty="0" smtClean="0">
                 <a:solidFill>
                   <a:prstClr val="black"/>
                 </a:solidFill>
@@ -5239,7 +5123,7 @@
               <a:t>But where will we get these </a:t>
             </a:r>
             <a:r>
-              <a:rPr lang="en-US" dirty="0" err="1">
+              <a:rPr lang="en-US" dirty="0" err="1" smtClean="0">
                 <a:solidFill>
                   <a:prstClr val="black"/>
                 </a:solidFill>
@@ -5247,13 +5131,18 @@
               <a:t>probabilitites</a:t>
             </a:r>
             <a:r>
-              <a:rPr lang="en-US" dirty="0">
+              <a:rPr lang="en-US" dirty="0" smtClean="0">
                 <a:solidFill>
                   <a:prstClr val="black"/>
                 </a:solidFill>
               </a:rPr>
               <a:t>?</a:t>
             </a:r>
+            <a:endParaRPr lang="en-US" dirty="0">
+              <a:solidFill>
+                <a:prstClr val="black"/>
+              </a:solidFill>
+            </a:endParaRPr>
           </a:p>
         </p:txBody>
       </p:sp>
@@ -5268,6 +5157,13 @@
     <a:masterClrMapping/>
   </p:clrMapOvr>
   <p:transition/>
+  <p:timing>
+    <p:tnLst>
+      <p:par>
+        <p:cTn id="1" dur="indefinite" restart="never" nodeType="tmRoot"/>
+      </p:par>
+    </p:tnLst>
+  </p:timing>
 </p:sld>
 </file>
 
@@ -5305,18 +5201,18 @@
           <a:p>
             <a:pPr eaLnBrk="1" hangingPunct="1"/>
             <a:r>
-              <a:rPr lang="en-US" altLang="en-US" dirty="0"/>
+              <a:rPr lang="en-US" altLang="en-US" dirty="0" smtClean="0"/>
               <a:t>Naïve Bayesian </a:t>
             </a:r>
             <a:r>
-              <a:rPr lang="bg-BG" altLang="en-US" dirty="0"/>
+              <a:rPr lang="bg-BG" altLang="en-US" dirty="0" smtClean="0"/>
               <a:t>C</a:t>
             </a:r>
             <a:r>
-              <a:rPr lang="en-US" altLang="en-US" dirty="0" err="1"/>
+              <a:rPr lang="en-US" altLang="en-US" dirty="0" err="1" smtClean="0"/>
               <a:t>lassifiers</a:t>
             </a:r>
-            <a:endParaRPr lang="en-US" altLang="en-US" dirty="0"/>
+            <a:endParaRPr lang="en-US" altLang="en-US" dirty="0" smtClean="0"/>
           </a:p>
         </p:txBody>
       </p:sp>
@@ -5348,7 +5244,7 @@
               </a:lnSpc>
             </a:pPr>
             <a:r>
-              <a:rPr lang="en-US" altLang="en-US" sz="2800" dirty="0"/>
+              <a:rPr lang="en-US" altLang="en-US" sz="2800" dirty="0" smtClean="0"/>
               <a:t>Naïve Bayesian classifier</a:t>
             </a:r>
           </a:p>
@@ -5358,7 +5254,7 @@
                 <a:spcPct val="90000"/>
               </a:lnSpc>
             </a:pPr>
-            <a:endParaRPr lang="en-US" altLang="en-US" sz="2800" dirty="0"/>
+            <a:endParaRPr lang="en-US" altLang="en-US" sz="2800" dirty="0" smtClean="0"/>
           </a:p>
           <a:p>
             <a:pPr eaLnBrk="1" hangingPunct="1">
@@ -5366,7 +5262,7 @@
                 <a:spcPct val="90000"/>
               </a:lnSpc>
             </a:pPr>
-            <a:endParaRPr lang="en-US" altLang="en-US" sz="2800" dirty="0"/>
+            <a:endParaRPr lang="en-US" altLang="en-US" sz="2800" dirty="0" smtClean="0"/>
           </a:p>
           <a:p>
             <a:pPr eaLnBrk="1" hangingPunct="1">
@@ -5375,7 +5271,7 @@
               </a:lnSpc>
             </a:pPr>
             <a:r>
-              <a:rPr lang="en-US" altLang="en-US" sz="2800" dirty="0"/>
+              <a:rPr lang="en-US" altLang="en-US" sz="2800" dirty="0" smtClean="0"/>
               <a:t>Assuming statistical independence</a:t>
             </a:r>
           </a:p>
@@ -5385,7 +5281,7 @@
                 <a:spcPct val="90000"/>
               </a:lnSpc>
             </a:pPr>
-            <a:endParaRPr lang="en-US" altLang="en-US" sz="2800" dirty="0"/>
+            <a:endParaRPr lang="en-US" altLang="en-US" sz="2800" dirty="0" smtClean="0"/>
           </a:p>
           <a:p>
             <a:pPr eaLnBrk="1" hangingPunct="1">
@@ -5393,7 +5289,7 @@
                 <a:spcPct val="90000"/>
               </a:lnSpc>
             </a:pPr>
-            <a:endParaRPr lang="en-US" altLang="en-US" sz="2800" dirty="0"/>
+            <a:endParaRPr lang="en-US" altLang="en-US" sz="2800" dirty="0" smtClean="0"/>
           </a:p>
           <a:p>
             <a:pPr eaLnBrk="1" hangingPunct="1">
@@ -5401,7 +5297,7 @@
                 <a:spcPct val="90000"/>
               </a:lnSpc>
             </a:pPr>
-            <a:endParaRPr lang="en-US" altLang="en-US" sz="2800" dirty="0"/>
+            <a:endParaRPr lang="en-US" altLang="en-US" sz="2800" dirty="0" smtClean="0"/>
           </a:p>
           <a:p>
             <a:pPr eaLnBrk="1" hangingPunct="1">
@@ -5409,7 +5305,7 @@
                 <a:spcPct val="90000"/>
               </a:lnSpc>
             </a:pPr>
-            <a:endParaRPr lang="en-US" altLang="en-US" sz="2800" dirty="0"/>
+            <a:endParaRPr lang="en-US" altLang="en-US" sz="2800" dirty="0" smtClean="0"/>
           </a:p>
           <a:p>
             <a:pPr eaLnBrk="1" hangingPunct="1">
@@ -5418,7 +5314,7 @@
               </a:lnSpc>
             </a:pPr>
             <a:r>
-              <a:rPr lang="en-US" altLang="en-US" sz="2800" dirty="0"/>
+              <a:rPr lang="en-US" altLang="en-US" sz="2800" dirty="0" smtClean="0"/>
               <a:t>Features = words (or phrases) typically</a:t>
             </a:r>
           </a:p>
@@ -5446,7 +5342,7 @@
           <a:graphicData uri="http://schemas.openxmlformats.org/presentationml/2006/ole">
             <mc:AlternateContent xmlns:mc="http://schemas.openxmlformats.org/markup-compatibility/2006">
               <mc:Choice xmlns:v="urn:schemas-microsoft-com:vml" Requires="v">
-                <p:oleObj spid="_x0000_s4138" name="Equation" r:id="rId3" imgW="3327400" imgH="431800" progId="Equation.3">
+                <p:oleObj spid="_x0000_s4132" name="Equation" r:id="rId3" imgW="3327400" imgH="431800" progId="Equation.3">
                   <p:embed/>
                 </p:oleObj>
               </mc:Choice>
@@ -5514,7 +5410,7 @@
           <a:graphicData uri="http://schemas.openxmlformats.org/presentationml/2006/ole">
             <mc:AlternateContent xmlns:mc="http://schemas.openxmlformats.org/markup-compatibility/2006">
               <mc:Choice xmlns:v="urn:schemas-microsoft-com:vml" Requires="v">
-                <p:oleObj spid="_x0000_s4139" name="Equation" r:id="rId5" imgW="3187700" imgH="609600" progId="Equation.3">
+                <p:oleObj spid="_x0000_s4133" name="Equation" r:id="rId5" imgW="3187700" imgH="609600" progId="Equation.3">
                   <p:embed/>
                 </p:oleObj>
               </mc:Choice>
@@ -5570,6 +5466,13 @@
   <p:clrMapOvr>
     <a:masterClrMapping/>
   </p:clrMapOvr>
+  <p:timing>
+    <p:tnLst>
+      <p:par>
+        <p:cTn id="1" dur="indefinite" restart="never" nodeType="tmRoot"/>
+      </p:par>
+    </p:tnLst>
+  </p:timing>
 </p:sld>
 </file>
 
@@ -5606,19 +5509,19 @@
           <a:lstStyle/>
           <a:p>
             <a:r>
-              <a:rPr lang="en-US" dirty="0"/>
+              <a:rPr lang="en-US" dirty="0" smtClean="0"/>
               <a:t>Multinomial Na</a:t>
             </a:r>
             <a:r>
-              <a:rPr lang="fr-FR" dirty="0" err="1"/>
+              <a:rPr lang="fr-FR" dirty="0" err="1" smtClean="0"/>
               <a:t>ï</a:t>
             </a:r>
             <a:r>
-              <a:rPr lang="en-US" dirty="0" err="1"/>
+              <a:rPr lang="en-US" dirty="0" err="1" smtClean="0"/>
               <a:t>ve</a:t>
             </a:r>
             <a:r>
-              <a:rPr lang="en-US" dirty="0"/>
+              <a:rPr lang="en-US" dirty="0" smtClean="0"/>
               <a:t> Bayes Independence Assumptions</a:t>
             </a:r>
           </a:p>
@@ -5645,7 +5548,7 @@
           <a:lstStyle/>
           <a:p>
             <a:r>
-              <a:rPr lang="en-US" sz="2800" dirty="0">
+              <a:rPr lang="en-US" sz="2800" dirty="0" smtClean="0">
                 <a:latin typeface="Calibri" charset="0"/>
                 <a:sym typeface="Symbol" charset="2"/>
               </a:rPr>
@@ -5655,7 +5558,7 @@
           <a:p>
             <a:pPr lvl="1"/>
             <a:r>
-              <a:rPr lang="en-US" sz="2300" dirty="0">
+              <a:rPr lang="en-US" sz="2300" dirty="0" smtClean="0">
                 <a:latin typeface="Calibri" charset="0"/>
                 <a:sym typeface="Symbol" charset="2"/>
               </a:rPr>
@@ -5664,7 +5567,7 @@
           </a:p>
           <a:p>
             <a:r>
-              <a:rPr lang="en-US" sz="2800" dirty="0">
+              <a:rPr lang="en-US" sz="2800" dirty="0" smtClean="0">
                 <a:latin typeface="Calibri" charset="0"/>
                 <a:sym typeface="Symbol" charset="2"/>
               </a:rPr>
@@ -5674,69 +5577,69 @@
           <a:p>
             <a:pPr lvl="1"/>
             <a:r>
-              <a:rPr lang="en-US" sz="2300" dirty="0">
+              <a:rPr lang="en-US" sz="2300" dirty="0" smtClean="0">
                 <a:latin typeface="Calibri" charset="0"/>
                 <a:sym typeface="Symbol" charset="2"/>
               </a:rPr>
               <a:t>Assume the feature probabilities </a:t>
             </a:r>
             <a:r>
-              <a:rPr lang="en-US" sz="2300" i="1" dirty="0">
+              <a:rPr lang="en-US" sz="2300" i="1" dirty="0" smtClean="0">
                 <a:latin typeface="Calibri" charset="0"/>
                 <a:sym typeface="Symbol" charset="2"/>
               </a:rPr>
               <a:t>P</a:t>
             </a:r>
             <a:r>
-              <a:rPr lang="en-US" sz="2300" dirty="0">
+              <a:rPr lang="en-US" sz="2300" dirty="0" smtClean="0">
                 <a:latin typeface="Calibri" charset="0"/>
                 <a:sym typeface="Symbol" charset="2"/>
               </a:rPr>
               <a:t>(</a:t>
             </a:r>
             <a:r>
-              <a:rPr lang="en-US" sz="2300" i="1" dirty="0" err="1">
+              <a:rPr lang="en-US" sz="2300" i="1" dirty="0" err="1" smtClean="0">
                 <a:latin typeface="Calibri" charset="0"/>
                 <a:sym typeface="Symbol" charset="2"/>
               </a:rPr>
               <a:t>x</a:t>
             </a:r>
             <a:r>
-              <a:rPr lang="en-US" sz="2300" i="1" baseline="-25000" dirty="0" err="1">
+              <a:rPr lang="en-US" sz="2300" i="1" baseline="-25000" dirty="0" err="1" smtClean="0">
                 <a:latin typeface="Calibri" charset="0"/>
                 <a:sym typeface="Symbol" charset="2"/>
               </a:rPr>
               <a:t>i</a:t>
             </a:r>
             <a:r>
-              <a:rPr lang="en-US" sz="2300" dirty="0" err="1">
+              <a:rPr lang="en-US" sz="2300" dirty="0" err="1" smtClean="0">
                 <a:latin typeface="Calibri" charset="0"/>
                 <a:sym typeface="Symbol" charset="2"/>
               </a:rPr>
               <a:t>|</a:t>
             </a:r>
             <a:r>
-              <a:rPr lang="en-US" sz="2300" i="1" dirty="0" err="1">
+              <a:rPr lang="en-US" sz="2300" i="1" dirty="0" err="1" smtClean="0">
                 <a:latin typeface="Calibri" charset="0"/>
                 <a:sym typeface="Symbol" charset="2"/>
               </a:rPr>
               <a:t>c</a:t>
             </a:r>
             <a:r>
-              <a:rPr lang="en-US" sz="2300" dirty="0">
+              <a:rPr lang="en-US" sz="2300" dirty="0" smtClean="0">
                 <a:latin typeface="Calibri" charset="0"/>
                 <a:sym typeface="Symbol" charset="2"/>
               </a:rPr>
               <a:t>) are independent given the class </a:t>
             </a:r>
             <a:r>
-              <a:rPr lang="en-US" sz="2300" i="1" dirty="0">
+              <a:rPr lang="en-US" sz="2300" i="1" dirty="0" smtClean="0">
                 <a:latin typeface="Calibri" charset="0"/>
                 <a:sym typeface="Symbol" charset="2"/>
               </a:rPr>
               <a:t>c.</a:t>
             </a:r>
-            <a:endParaRPr lang="en-US" sz="2300" i="1" dirty="0">
+            <a:endParaRPr lang="en-US" sz="2300" i="1" dirty="0" smtClean="0">
               <a:latin typeface="Times New Roman" charset="0"/>
             </a:endParaRPr>
           </a:p>
@@ -5764,7 +5667,7 @@
           <a:graphicData uri="http://schemas.openxmlformats.org/presentationml/2006/ole">
             <mc:AlternateContent xmlns:mc="http://schemas.openxmlformats.org/markup-compatibility/2006">
               <mc:Choice xmlns:v="urn:schemas-microsoft-com:vml" Requires="v">
-                <p:oleObj spid="_x0000_s5163" name="Equation" r:id="rId3" imgW="1117440" imgH="228600" progId="Equation.3">
+                <p:oleObj spid="_x0000_s5157" name="Equation" r:id="rId3" imgW="1117440" imgH="228600" progId="Equation.3">
                   <p:embed/>
                 </p:oleObj>
               </mc:Choice>
@@ -5829,7 +5732,7 @@
           <a:graphicData uri="http://schemas.openxmlformats.org/presentationml/2006/ole">
             <mc:AlternateContent xmlns:mc="http://schemas.openxmlformats.org/markup-compatibility/2006">
               <mc:Choice xmlns:v="urn:schemas-microsoft-com:vml" Requires="v">
-                <p:oleObj spid="_x0000_s5164" name="Equation" r:id="rId5" imgW="3632040" imgH="228600" progId="Equation.3">
+                <p:oleObj spid="_x0000_s5158" name="Equation" r:id="rId5" imgW="3632040" imgH="228600" progId="Equation.3">
                   <p:embed/>
                 </p:oleObj>
               </mc:Choice>
@@ -5925,17 +5828,18 @@
           <a:lstStyle/>
           <a:p>
             <a:r>
-              <a:rPr lang="en-US" dirty="0"/>
+              <a:rPr lang="en-US" dirty="0" smtClean="0"/>
               <a:t>[</a:t>
             </a:r>
             <a:r>
-              <a:rPr lang="en-US" dirty="0" err="1"/>
+              <a:rPr lang="en-US" dirty="0" err="1" smtClean="0"/>
               <a:t>Jurafsky</a:t>
             </a:r>
             <a:r>
-              <a:rPr lang="en-US" dirty="0"/>
+              <a:rPr lang="en-US" dirty="0" smtClean="0"/>
               <a:t> and Martin]</a:t>
             </a:r>
+            <a:endParaRPr lang="en-US" dirty="0"/>
           </a:p>
         </p:txBody>
       </p:sp>
@@ -5950,6 +5854,13 @@
     <a:masterClrMapping/>
   </p:clrMapOvr>
   <p:transition/>
+  <p:timing>
+    <p:tnLst>
+      <p:par>
+        <p:cTn id="1" dur="indefinite" restart="never" nodeType="tmRoot"/>
+      </p:par>
+    </p:tnLst>
+  </p:timing>
 </p:sld>
 </file>
 
@@ -5991,19 +5902,19 @@
           <a:lstStyle/>
           <a:p>
             <a:r>
-              <a:rPr lang="en-US" dirty="0"/>
+              <a:rPr lang="en-US" dirty="0" smtClean="0"/>
               <a:t>Multinomial Na</a:t>
             </a:r>
             <a:r>
-              <a:rPr lang="fr-FR" dirty="0" err="1"/>
+              <a:rPr lang="fr-FR" dirty="0" err="1" smtClean="0"/>
               <a:t>ï</a:t>
             </a:r>
             <a:r>
-              <a:rPr lang="en-US" dirty="0" err="1"/>
+              <a:rPr lang="en-US" dirty="0" err="1" smtClean="0"/>
               <a:t>ve</a:t>
             </a:r>
             <a:r>
-              <a:rPr lang="en-US" dirty="0"/>
+              <a:rPr lang="en-US" dirty="0" smtClean="0"/>
               <a:t> Bayes</a:t>
             </a:r>
           </a:p>
@@ -6031,7 +5942,7 @@
           <a:graphicData uri="http://schemas.openxmlformats.org/presentationml/2006/ole">
             <mc:AlternateContent xmlns:mc="http://schemas.openxmlformats.org/markup-compatibility/2006">
               <mc:Choice xmlns:v="urn:schemas-microsoft-com:vml" Requires="v">
-                <p:oleObj spid="_x0000_s6187" name="Equation" r:id="rId3" imgW="2298600" imgH="304560" progId="Equation.3">
+                <p:oleObj spid="_x0000_s6181" name="Equation" r:id="rId3" imgW="2298600" imgH="304560" progId="Equation.3">
                   <p:embed/>
                 </p:oleObj>
               </mc:Choice>
@@ -6092,7 +6003,7 @@
           <a:graphicData uri="http://schemas.openxmlformats.org/presentationml/2006/ole">
             <mc:AlternateContent xmlns:mc="http://schemas.openxmlformats.org/markup-compatibility/2006">
               <mc:Choice xmlns:v="urn:schemas-microsoft-com:vml" Requires="v">
-                <p:oleObj spid="_x0000_s6188" name="Equation" r:id="rId5" imgW="1828800" imgH="368300" progId="Equation.3">
+                <p:oleObj spid="_x0000_s6182" name="Equation" r:id="rId5" imgW="1828800" imgH="368300" progId="Equation.3">
                   <p:embed/>
                 </p:oleObj>
               </mc:Choice>
@@ -6172,7 +6083,7 @@
             <a:lstStyle/>
             <a:p>
               <a:r>
-                <a:rPr lang="en-US" sz="2000" dirty="0">
+                <a:rPr lang="en-US" sz="2000" dirty="0" smtClean="0">
                   <a:solidFill>
                     <a:srgbClr val="FF0000"/>
                   </a:solidFill>
@@ -6180,6 +6091,12 @@
                 </a:rPr>
                 <a:t>This is why it’s naïve!</a:t>
               </a:r>
+              <a:endParaRPr lang="en-US" sz="2000" dirty="0">
+                <a:solidFill>
+                  <a:srgbClr val="FF0000"/>
+                </a:solidFill>
+                <a:latin typeface="Arial"/>
+              </a:endParaRPr>
             </a:p>
           </p:txBody>
         </p:sp>
@@ -6291,17 +6208,18 @@
           <a:lstStyle/>
           <a:p>
             <a:r>
-              <a:rPr lang="en-US" dirty="0"/>
+              <a:rPr lang="en-US" dirty="0" smtClean="0"/>
               <a:t>[</a:t>
             </a:r>
             <a:r>
-              <a:rPr lang="en-US" dirty="0" err="1"/>
+              <a:rPr lang="en-US" dirty="0" err="1" smtClean="0"/>
               <a:t>Jurafsky</a:t>
             </a:r>
             <a:r>
-              <a:rPr lang="en-US" dirty="0"/>
+              <a:rPr lang="en-US" dirty="0" smtClean="0"/>
               <a:t> and Martin]</a:t>
             </a:r>
+            <a:endParaRPr lang="en-US" dirty="0"/>
           </a:p>
         </p:txBody>
       </p:sp>
@@ -6316,6 +6234,13 @@
     <a:masterClrMapping/>
   </p:clrMapOvr>
   <p:transition/>
+  <p:timing>
+    <p:tnLst>
+      <p:par>
+        <p:cTn id="1" dur="indefinite" restart="never" nodeType="tmRoot"/>
+      </p:par>
+    </p:tnLst>
+  </p:timing>
 </p:sld>
 </file>
 
@@ -6362,7 +6287,7 @@
               <a:t>Learning </a:t>
             </a:r>
             <a:r>
-              <a:rPr lang="bg-BG" dirty="0"/>
+              <a:rPr lang="bg-BG" dirty="0" smtClean="0"/>
               <a:t>the Parameters</a:t>
             </a:r>
             <a:endParaRPr lang="en-US" dirty="0"/>
@@ -6429,7 +6354,7 @@
           <a:graphicData uri="http://schemas.openxmlformats.org/presentationml/2006/ole">
             <mc:AlternateContent xmlns:mc="http://schemas.openxmlformats.org/markup-compatibility/2006">
               <mc:Choice xmlns:v="urn:schemas-microsoft-com:vml" Requires="v">
-                <p:oleObj spid="_x0000_s7210" name="Equation" r:id="rId3" imgW="1739900" imgH="584200" progId="Equation.3">
+                <p:oleObj spid="_x0000_s7204" name="Equation" r:id="rId3" imgW="1739900" imgH="584200" progId="Equation.3">
                   <p:embed/>
                 </p:oleObj>
               </mc:Choice>
@@ -6491,7 +6416,7 @@
           <a:graphicData uri="http://schemas.openxmlformats.org/presentationml/2006/ole">
             <mc:AlternateContent xmlns:mc="http://schemas.openxmlformats.org/markup-compatibility/2006">
               <mc:Choice xmlns:v="urn:schemas-microsoft-com:vml" Requires="v">
-                <p:oleObj spid="_x0000_s7211" name="Equation" r:id="rId5" imgW="1587500" imgH="444500" progId="Equation.3">
+                <p:oleObj spid="_x0000_s7205" name="Equation" r:id="rId5" imgW="1587500" imgH="444500" progId="Equation.3">
                   <p:embed/>
                 </p:oleObj>
               </mc:Choice>
@@ -6558,17 +6483,18 @@
           <a:lstStyle/>
           <a:p>
             <a:r>
-              <a:rPr lang="en-US" dirty="0"/>
+              <a:rPr lang="en-US" dirty="0" smtClean="0"/>
               <a:t>[</a:t>
             </a:r>
             <a:r>
-              <a:rPr lang="en-US" dirty="0" err="1"/>
+              <a:rPr lang="en-US" dirty="0" err="1" smtClean="0"/>
               <a:t>Jurafsky</a:t>
             </a:r>
             <a:r>
-              <a:rPr lang="en-US" dirty="0"/>
+              <a:rPr lang="en-US" dirty="0" smtClean="0"/>
               <a:t> and Martin]</a:t>
             </a:r>
+            <a:endParaRPr lang="en-US" dirty="0"/>
           </a:p>
         </p:txBody>
       </p:sp>
@@ -6583,6 +6509,13 @@
     <a:masterClrMapping/>
   </p:clrMapOvr>
   <p:transition/>
+  <p:timing>
+    <p:tnLst>
+      <p:par>
+        <p:cTn id="1" dur="indefinite" restart="never" nodeType="tmRoot"/>
+      </p:par>
+    </p:tnLst>
+  </p:timing>
 </p:sld>
 </file>
 
@@ -6629,11 +6562,18 @@
               </a:lnSpc>
             </a:pPr>
             <a:r>
+              <a:rPr lang="en-US" dirty="0" smtClean="0">
+                <a:ea typeface="ＭＳ Ｐゴシック" charset="0"/>
+                <a:cs typeface="Calibri"/>
+              </a:rPr>
+              <a:t>Create </a:t>
+            </a:r>
+            <a:r>
               <a:rPr lang="en-US" dirty="0">
                 <a:ea typeface="ＭＳ Ｐゴシック" charset="0"/>
                 <a:cs typeface="Calibri"/>
               </a:rPr>
-              <a:t>Create mega-document for topic </a:t>
+              <a:t>mega-document for topic </a:t>
             </a:r>
             <a:r>
               <a:rPr lang="en-US" i="1" dirty="0">
@@ -6675,7 +6615,14 @@
                 <a:ea typeface="ＭＳ Ｐゴシック" charset="0"/>
                 <a:cs typeface="Calibri"/>
               </a:rPr>
-              <a:t> in mega-document</a:t>
+              <a:t> in mega-</a:t>
+            </a:r>
+            <a:r>
+              <a:rPr lang="en-US" sz="2400" dirty="0" smtClean="0">
+                <a:ea typeface="ＭＳ Ｐゴシック" charset="0"/>
+                <a:cs typeface="Calibri"/>
+              </a:rPr>
+              <a:t>document</a:t>
             </a:r>
             <a:endParaRPr lang="en-US" sz="2400" dirty="0">
               <a:latin typeface="Calibri"/>
@@ -6727,8 +6674,13 @@
             <a:pPr eaLnBrk="1" hangingPunct="1"/>
             <a:r>
               <a:rPr lang="en-US" dirty="0"/>
-              <a:t>Parameter Estimation</a:t>
-            </a:r>
+              <a:t>Parameter </a:t>
+            </a:r>
+            <a:r>
+              <a:rPr lang="en-US" dirty="0" smtClean="0"/>
+              <a:t>Estimation</a:t>
+            </a:r>
+            <a:endParaRPr lang="en-US" dirty="0"/>
           </a:p>
         </p:txBody>
       </p:sp>
@@ -6894,10 +6846,20 @@
                 <a:latin typeface="Calibri"/>
                 <a:cs typeface="Calibri"/>
               </a:rPr>
-              <a:t>fraction of times word </a:t>
-            </a:r>
-            <a:r>
-              <a:rPr lang="en-US" i="1" dirty="0" err="1">
+              <a:t>fraction of times </a:t>
+            </a:r>
+            <a:r>
+              <a:rPr lang="en-US" dirty="0" smtClean="0">
+                <a:solidFill>
+                  <a:prstClr val="black"/>
+                </a:solidFill>
+                <a:latin typeface="Calibri"/>
+                <a:cs typeface="Calibri"/>
+              </a:rPr>
+              <a:t>word </a:t>
+            </a:r>
+            <a:r>
+              <a:rPr lang="en-US" i="1" dirty="0" err="1" smtClean="0">
                 <a:solidFill>
                   <a:prstClr val="black"/>
                 </a:solidFill>
@@ -6907,7 +6869,7 @@
               <a:t>w</a:t>
             </a:r>
             <a:r>
-              <a:rPr lang="en-US" i="1" baseline="-25000" dirty="0" err="1">
+              <a:rPr lang="en-US" i="1" baseline="-25000" dirty="0" err="1" smtClean="0">
                 <a:solidFill>
                   <a:prstClr val="black"/>
                 </a:solidFill>
@@ -6917,18 +6879,15 @@
               <a:t>i</a:t>
             </a:r>
             <a:r>
-              <a:rPr lang="en-US" dirty="0">
+              <a:rPr lang="en-US" dirty="0" smtClean="0">
                 <a:solidFill>
                   <a:prstClr val="black"/>
                 </a:solidFill>
                 <a:latin typeface="Calibri"/>
                 <a:cs typeface="Calibri"/>
               </a:rPr>
-              <a:t> appears </a:t>
-            </a:r>
-          </a:p>
-          <a:p>
-            <a:pPr algn="ctr"/>
+              <a:t> </a:t>
+            </a:r>
             <a:r>
               <a:rPr lang="en-US" dirty="0">
                 <a:solidFill>
@@ -6937,7 +6896,37 @@
                 <a:latin typeface="Calibri"/>
                 <a:cs typeface="Calibri"/>
               </a:rPr>
-              <a:t>among all words in documents of topic </a:t>
+              <a:t>appears </a:t>
+            </a:r>
+            <a:endParaRPr lang="en-US" dirty="0" smtClean="0">
+              <a:solidFill>
+                <a:prstClr val="black"/>
+              </a:solidFill>
+              <a:latin typeface="Calibri"/>
+              <a:cs typeface="Calibri"/>
+            </a:endParaRPr>
+          </a:p>
+          <a:p>
+            <a:pPr algn="ctr"/>
+            <a:r>
+              <a:rPr lang="en-US" dirty="0" smtClean="0">
+                <a:solidFill>
+                  <a:prstClr val="black"/>
+                </a:solidFill>
+                <a:latin typeface="Calibri"/>
+                <a:cs typeface="Calibri"/>
+              </a:rPr>
+              <a:t>among all words </a:t>
+            </a:r>
+            <a:r>
+              <a:rPr lang="en-US" dirty="0">
+                <a:solidFill>
+                  <a:prstClr val="black"/>
+                </a:solidFill>
+                <a:latin typeface="Calibri"/>
+                <a:cs typeface="Calibri"/>
+              </a:rPr>
+              <a:t>in documents of topic </a:t>
             </a:r>
             <a:r>
               <a:rPr lang="en-US" i="1" dirty="0" err="1">
@@ -6987,7 +6976,7 @@
           <a:graphicData uri="http://schemas.openxmlformats.org/presentationml/2006/ole">
             <mc:AlternateContent xmlns:mc="http://schemas.openxmlformats.org/markup-compatibility/2006">
               <mc:Choice xmlns:v="urn:schemas-microsoft-com:vml" Requires="v">
-                <p:oleObj spid="_x0000_s8214" name="Equation" r:id="rId3" imgW="1739900" imgH="584200" progId="Equation.3">
+                <p:oleObj spid="_x0000_s8211" name="Equation" r:id="rId3" imgW="1739900" imgH="584200" progId="Equation.3">
                   <p:embed/>
                 </p:oleObj>
               </mc:Choice>
@@ -7054,17 +7043,18 @@
           <a:lstStyle/>
           <a:p>
             <a:r>
-              <a:rPr lang="en-US" dirty="0"/>
+              <a:rPr lang="en-US" dirty="0" smtClean="0"/>
               <a:t>[</a:t>
             </a:r>
             <a:r>
-              <a:rPr lang="en-US" dirty="0" err="1"/>
+              <a:rPr lang="en-US" dirty="0" err="1" smtClean="0"/>
               <a:t>Jurafsky</a:t>
             </a:r>
             <a:r>
-              <a:rPr lang="en-US" dirty="0"/>
+              <a:rPr lang="en-US" dirty="0" smtClean="0"/>
               <a:t> and Martin]</a:t>
             </a:r>
+            <a:endParaRPr lang="en-US" dirty="0"/>
           </a:p>
         </p:txBody>
       </p:sp>
@@ -7079,6 +7069,13 @@
     <a:masterClrMapping/>
   </p:clrMapOvr>
   <p:transition/>
+  <p:timing>
+    <p:tnLst>
+      <p:par>
+        <p:cTn id="1" dur="indefinite" restart="never" nodeType="tmRoot"/>
+      </p:par>
+    </p:tnLst>
+  </p:timing>
 </p:sld>
 </file>
 
@@ -7155,7 +7152,7 @@
           <a:graphicData uri="http://schemas.openxmlformats.org/presentationml/2006/ole">
             <mc:AlternateContent xmlns:mc="http://schemas.openxmlformats.org/markup-compatibility/2006">
               <mc:Choice xmlns:v="urn:schemas-microsoft-com:vml" Requires="v">
-                <p:oleObj spid="_x0000_s9258" name="Equation" r:id="rId3" imgW="3492360" imgH="533160" progId="Equation.3">
+                <p:oleObj spid="_x0000_s9252" name="Equation" r:id="rId3" imgW="3492360" imgH="533160" progId="Equation.3">
                   <p:embed/>
                 </p:oleObj>
               </mc:Choice>
@@ -7233,49 +7230,63 @@
               <a:t>What if we have seen no training documents with the word </a:t>
             </a:r>
             <a:r>
-              <a:rPr lang="en-US" b="1" i="1" dirty="0">
+              <a:rPr lang="en-US" b="1" i="1" dirty="0" smtClean="0">
                 <a:ea typeface="ＭＳ Ｐゴシック" charset="0"/>
                 <a:cs typeface="ＭＳ Ｐゴシック" charset="0"/>
               </a:rPr>
               <a:t>fantastic</a:t>
             </a:r>
             <a:r>
-              <a:rPr lang="en-US" b="1" dirty="0">
+              <a:rPr lang="en-US" b="1" dirty="0" smtClean="0">
                 <a:ea typeface="ＭＳ Ｐゴシック" charset="0"/>
                 <a:cs typeface="ＭＳ Ｐゴシック" charset="0"/>
               </a:rPr>
               <a:t> </a:t>
             </a:r>
             <a:r>
+              <a:rPr lang="en-US" dirty="0" smtClean="0">
+                <a:ea typeface="ＭＳ Ｐゴシック" charset="0"/>
+                <a:cs typeface="ＭＳ Ｐゴシック" charset="0"/>
+              </a:rPr>
+              <a:t> </a:t>
+            </a:r>
+            <a:r>
               <a:rPr lang="en-US" dirty="0">
                 <a:ea typeface="ＭＳ Ｐゴシック" charset="0"/>
                 <a:cs typeface="ＭＳ Ｐゴシック" charset="0"/>
               </a:rPr>
-              <a:t> and classified in the topic </a:t>
-            </a:r>
-            <a:r>
-              <a:rPr lang="en-US" b="1" dirty="0">
+              <a:t>and classified in the </a:t>
+            </a:r>
+            <a:r>
+              <a:rPr lang="en-US" dirty="0" smtClean="0">
+                <a:ea typeface="ＭＳ Ｐゴシック" charset="0"/>
+                <a:cs typeface="ＭＳ Ｐゴシック" charset="0"/>
+              </a:rPr>
+              <a:t>topic </a:t>
+            </a:r>
+            <a:r>
+              <a:rPr lang="en-US" b="1" dirty="0" smtClean="0">
                 <a:ea typeface="ＭＳ Ｐゴシック" charset="0"/>
                 <a:cs typeface="ＭＳ Ｐゴシック" charset="0"/>
               </a:rPr>
               <a:t>positive</a:t>
             </a:r>
             <a:r>
-              <a:rPr lang="en-US" dirty="0">
+              <a:rPr lang="en-US" dirty="0" smtClean="0">
                 <a:ea typeface="ＭＳ Ｐゴシック" charset="0"/>
                 <a:cs typeface="ＭＳ Ｐゴシック" charset="0"/>
               </a:rPr>
               <a:t> (</a:t>
             </a:r>
             <a:r>
-              <a:rPr lang="en-US" b="1" i="1" dirty="0">
+              <a:rPr lang="en-US" b="1" i="1" dirty="0" smtClean="0">
                 <a:ea typeface="ＭＳ Ｐゴシック" charset="0"/>
                 <a:cs typeface="ＭＳ Ｐゴシック" charset="0"/>
               </a:rPr>
               <a:t>thumbs-up)</a:t>
             </a:r>
             <a:r>
-              <a:rPr lang="en-US" dirty="0">
+              <a:rPr lang="en-US" dirty="0" smtClean="0">
                 <a:ea typeface="ＭＳ Ｐゴシック" charset="0"/>
                 <a:cs typeface="ＭＳ Ｐゴシック" charset="0"/>
               </a:rPr>
@@ -7320,7 +7331,7 @@
               </a:lnSpc>
               <a:buNone/>
             </a:pPr>
-            <a:endParaRPr lang="en-US" sz="600" dirty="0">
+            <a:endParaRPr lang="en-US" sz="600" dirty="0" smtClean="0">
               <a:ea typeface="ＭＳ Ｐゴシック" charset="0"/>
               <a:cs typeface="ＭＳ Ｐゴシック" charset="0"/>
             </a:endParaRPr>
@@ -7332,11 +7343,18 @@
               </a:lnSpc>
             </a:pPr>
             <a:r>
+              <a:rPr lang="en-US" dirty="0" smtClean="0">
+                <a:ea typeface="ＭＳ Ｐゴシック" charset="0"/>
+                <a:cs typeface="ＭＳ Ｐゴシック" charset="0"/>
+              </a:rPr>
+              <a:t>Zero </a:t>
+            </a:r>
+            <a:r>
               <a:rPr lang="en-US" dirty="0">
                 <a:ea typeface="ＭＳ Ｐゴシック" charset="0"/>
                 <a:cs typeface="ＭＳ Ｐゴシック" charset="0"/>
               </a:rPr>
-              <a:t>Zero probabilities cannot be conditioned away, no matter the other evidence!</a:t>
+              <a:t>probabilities cannot be conditioned away, no matter the other evidence!</a:t>
             </a:r>
           </a:p>
         </p:txBody>
@@ -7363,7 +7381,7 @@
           <a:graphicData uri="http://schemas.openxmlformats.org/presentationml/2006/ole">
             <mc:AlternateContent xmlns:mc="http://schemas.openxmlformats.org/markup-compatibility/2006">
               <mc:Choice xmlns:v="urn:schemas-microsoft-com:vml" Requires="v">
-                <p:oleObj spid="_x0000_s9259" name="Equation" r:id="rId5" imgW="2006280" imgH="279360" progId="Equation.3">
+                <p:oleObj spid="_x0000_s9253" name="Equation" r:id="rId5" imgW="2006280" imgH="279360" progId="Equation.3">
                   <p:embed/>
                 </p:oleObj>
               </mc:Choice>
@@ -7430,17 +7448,18 @@
           <a:lstStyle/>
           <a:p>
             <a:r>
-              <a:rPr lang="en-US" dirty="0"/>
+              <a:rPr lang="en-US" dirty="0" smtClean="0"/>
               <a:t>[</a:t>
             </a:r>
             <a:r>
-              <a:rPr lang="en-US" dirty="0" err="1"/>
+              <a:rPr lang="en-US" dirty="0" err="1" smtClean="0"/>
               <a:t>Jurafsky</a:t>
             </a:r>
             <a:r>
-              <a:rPr lang="en-US" dirty="0"/>
+              <a:rPr lang="en-US" dirty="0" smtClean="0"/>
               <a:t> and Martin]</a:t>
             </a:r>
+            <a:endParaRPr lang="en-US" dirty="0"/>
           </a:p>
         </p:txBody>
       </p:sp>
@@ -7455,6 +7474,13 @@
     <a:masterClrMapping/>
   </p:clrMapOvr>
   <p:transition/>
+  <p:timing>
+    <p:tnLst>
+      <p:par>
+        <p:cTn id="1" dur="indefinite" restart="never" nodeType="tmRoot"/>
+      </p:par>
+    </p:tnLst>
+  </p:timing>
 </p:sld>
 </file>
 
@@ -7491,7 +7517,7 @@
           <a:lstStyle/>
           <a:p>
             <a:r>
-              <a:rPr lang="en-US" sz="3500" b="1" dirty="0">
+              <a:rPr lang="en-US" sz="3500" b="1" dirty="0" smtClean="0">
                 <a:effectLst>
                   <a:innerShdw blurRad="63500" dist="50800" dir="13500000">
                     <a:srgbClr val="000000">
@@ -7504,6 +7530,17 @@
               </a:rPr>
               <a:t>Laplace Smoothing</a:t>
             </a:r>
+            <a:endParaRPr lang="en-US" sz="3500" b="1" dirty="0">
+              <a:effectLst>
+                <a:innerShdw blurRad="63500" dist="50800" dir="13500000">
+                  <a:srgbClr val="000000">
+                    <a:alpha val="50000"/>
+                  </a:srgbClr>
+                </a:innerShdw>
+              </a:effectLst>
+              <a:latin typeface="Georgia"/>
+              <a:cs typeface="Georgia"/>
+            </a:endParaRPr>
           </a:p>
         </p:txBody>
       </p:sp>
@@ -7529,7 +7566,7 @@
           <a:graphicData uri="http://schemas.openxmlformats.org/presentationml/2006/ole">
             <mc:AlternateContent xmlns:mc="http://schemas.openxmlformats.org/markup-compatibility/2006">
               <mc:Choice xmlns:v="urn:schemas-microsoft-com:vml" Requires="v">
-                <p:oleObj spid="_x0000_s10302" name="Equation" r:id="rId3" imgW="1905000" imgH="571500" progId="Equation.3">
+                <p:oleObj spid="_x0000_s10293" name="Equation" r:id="rId3" imgW="1905000" imgH="571500" progId="Equation.3">
                   <p:embed/>
                 </p:oleObj>
               </mc:Choice>
@@ -7591,7 +7628,7 @@
           <a:graphicData uri="http://schemas.openxmlformats.org/presentationml/2006/ole">
             <mc:AlternateContent xmlns:mc="http://schemas.openxmlformats.org/markup-compatibility/2006">
               <mc:Choice xmlns:v="urn:schemas-microsoft-com:vml" Requires="v">
-                <p:oleObj spid="_x0000_s10303" name="Equation" r:id="rId5" imgW="1612900" imgH="711200" progId="Equation.3">
+                <p:oleObj spid="_x0000_s10294" name="Equation" r:id="rId5" imgW="1612900" imgH="711200" progId="Equation.3">
                   <p:embed/>
                 </p:oleObj>
               </mc:Choice>
@@ -7653,7 +7690,7 @@
           <a:graphicData uri="http://schemas.openxmlformats.org/presentationml/2006/ole">
             <mc:AlternateContent xmlns:mc="http://schemas.openxmlformats.org/markup-compatibility/2006">
               <mc:Choice xmlns:v="urn:schemas-microsoft-com:vml" Requires="v">
-                <p:oleObj spid="_x0000_s10304" name="Equation" r:id="rId7" imgW="1727200" imgH="571500" progId="Equation.3">
+                <p:oleObj spid="_x0000_s10295" name="Equation" r:id="rId7" imgW="1727200" imgH="571500" progId="Equation.3">
                   <p:embed/>
                 </p:oleObj>
               </mc:Choice>
@@ -7716,17 +7753,18 @@
           <a:lstStyle/>
           <a:p>
             <a:r>
-              <a:rPr lang="en-US" dirty="0"/>
+              <a:rPr lang="en-US" dirty="0" smtClean="0"/>
               <a:t>[</a:t>
             </a:r>
             <a:r>
-              <a:rPr lang="en-US" dirty="0" err="1"/>
+              <a:rPr lang="en-US" dirty="0" err="1" smtClean="0"/>
               <a:t>Jurafsky</a:t>
             </a:r>
             <a:r>
-              <a:rPr lang="en-US" dirty="0"/>
+              <a:rPr lang="en-US" dirty="0" smtClean="0"/>
               <a:t> and Martin]</a:t>
             </a:r>
+            <a:endParaRPr lang="en-US" dirty="0"/>
           </a:p>
         </p:txBody>
       </p:sp>
@@ -7740,6 +7778,21 @@
   <p:clrMapOvr>
     <a:masterClrMapping/>
   </p:clrMapOvr>
+  <mc:AlternateContent xmlns:mc="http://schemas.openxmlformats.org/markup-compatibility/2006" xmlns:p14="http://schemas.microsoft.com/office/powerpoint/2010/main">
+    <mc:Choice Requires="p14">
+      <p:transition spd="slow" p14:dur="2000"/>
+    </mc:Choice>
+    <mc:Fallback xmlns="">
+      <p:transition xmlns:p14="http://schemas.microsoft.com/office/powerpoint/2010/main" spd="slow"/>
+    </mc:Fallback>
+  </mc:AlternateContent>
+  <p:timing>
+    <p:tnLst>
+      <p:par>
+        <p:cTn id="1" dur="indefinite" restart="never" nodeType="tmRoot"/>
+      </p:par>
+    </p:tnLst>
+  </p:timing>
 </p:sld>
 </file>
 
@@ -7781,7 +7834,7 @@
           <a:lstStyle/>
           <a:p>
             <a:r>
-              <a:rPr lang="en-US" dirty="0"/>
+              <a:rPr lang="en-US" dirty="0" smtClean="0"/>
               <a:t>Multinomial Naïve Bayes: Learning</a:t>
             </a:r>
           </a:p>
@@ -7815,49 +7868,49 @@
               </a:lnSpc>
             </a:pPr>
             <a:r>
-              <a:rPr lang="en-US" sz="2000" dirty="0">
+              <a:rPr lang="en-US" sz="2000" dirty="0" smtClean="0">
                 <a:cs typeface="Calibri"/>
               </a:rPr>
               <a:t>Calculate </a:t>
             </a:r>
             <a:r>
-              <a:rPr lang="en-US" sz="2000" i="1" dirty="0">
+              <a:rPr lang="en-US" sz="2000" i="1" dirty="0" smtClean="0">
                 <a:cs typeface="Calibri"/>
               </a:rPr>
               <a:t>P</a:t>
             </a:r>
             <a:r>
-              <a:rPr lang="en-US" sz="2000" dirty="0">
+              <a:rPr lang="en-US" sz="2000" dirty="0" smtClean="0">
                 <a:cs typeface="Calibri"/>
               </a:rPr>
               <a:t>(</a:t>
             </a:r>
             <a:r>
-              <a:rPr lang="en-US" sz="2000" i="1" dirty="0" err="1">
+              <a:rPr lang="en-US" sz="2000" i="1" dirty="0" err="1" smtClean="0">
                 <a:cs typeface="Calibri"/>
               </a:rPr>
               <a:t>c</a:t>
             </a:r>
             <a:r>
-              <a:rPr lang="en-US" sz="2000" i="1" baseline="-25000" dirty="0" err="1">
+              <a:rPr lang="en-US" sz="2000" i="1" baseline="-25000" dirty="0" err="1" smtClean="0">
                 <a:cs typeface="Calibri"/>
               </a:rPr>
               <a:t>j</a:t>
             </a:r>
             <a:r>
-              <a:rPr lang="en-US" sz="2000" dirty="0">
+              <a:rPr lang="en-US" sz="2000" dirty="0" smtClean="0">
                 <a:cs typeface="Calibri"/>
               </a:rPr>
               <a:t>)</a:t>
             </a:r>
             <a:r>
-              <a:rPr lang="en-US" sz="2000" i="1" dirty="0">
+              <a:rPr lang="en-US" sz="2000" i="1" dirty="0" smtClean="0">
                 <a:cs typeface="Calibri"/>
               </a:rPr>
               <a:t> </a:t>
             </a:r>
             <a:r>
-              <a:rPr lang="en-US" sz="2000" dirty="0">
+              <a:rPr lang="en-US" sz="2000" dirty="0" smtClean="0">
                 <a:cs typeface="Calibri"/>
               </a:rPr>
               <a:t>terms</a:t>
@@ -7870,43 +7923,43 @@
               </a:lnSpc>
             </a:pPr>
             <a:r>
-              <a:rPr lang="en-US" sz="1800" dirty="0">
+              <a:rPr lang="en-US" sz="1800" dirty="0" smtClean="0">
                 <a:cs typeface="Calibri"/>
               </a:rPr>
               <a:t>For each </a:t>
             </a:r>
             <a:r>
-              <a:rPr lang="en-US" sz="1800" i="1" dirty="0" err="1">
+              <a:rPr lang="en-US" sz="1800" i="1" dirty="0" err="1" smtClean="0">
                 <a:cs typeface="Calibri"/>
               </a:rPr>
               <a:t>c</a:t>
             </a:r>
             <a:r>
-              <a:rPr lang="en-US" sz="1800" i="1" baseline="-25000" dirty="0" err="1">
+              <a:rPr lang="en-US" sz="1800" i="1" baseline="-25000" dirty="0" err="1" smtClean="0">
                 <a:cs typeface="Calibri"/>
               </a:rPr>
               <a:t>j</a:t>
             </a:r>
             <a:r>
-              <a:rPr lang="en-US" sz="1800" i="1" baseline="-25000" dirty="0">
+              <a:rPr lang="en-US" sz="1800" i="1" baseline="-25000" dirty="0" smtClean="0">
                 <a:cs typeface="Calibri"/>
               </a:rPr>
               <a:t> </a:t>
             </a:r>
             <a:r>
-              <a:rPr lang="en-US" sz="1800" dirty="0">
+              <a:rPr lang="en-US" sz="1800" dirty="0" smtClean="0">
                 <a:cs typeface="Calibri"/>
               </a:rPr>
               <a:t>in </a:t>
             </a:r>
             <a:r>
-              <a:rPr lang="en-US" sz="1800" i="1" dirty="0">
+              <a:rPr lang="en-US" sz="1800" i="1" dirty="0" smtClean="0">
                 <a:cs typeface="Calibri"/>
               </a:rPr>
               <a:t>C</a:t>
             </a:r>
             <a:r>
-              <a:rPr lang="en-US" sz="1800" dirty="0">
+              <a:rPr lang="en-US" sz="1800" dirty="0" smtClean="0">
                 <a:cs typeface="Calibri"/>
               </a:rPr>
               <a:t> do</a:t>
@@ -7920,63 +7973,63 @@
               <a:buNone/>
             </a:pPr>
             <a:r>
-              <a:rPr lang="en-US" sz="1600" i="1" dirty="0">
+              <a:rPr lang="en-US" sz="1600" i="1" dirty="0" smtClean="0">
                 <a:cs typeface="Calibri"/>
               </a:rPr>
               <a:t> </a:t>
             </a:r>
             <a:r>
-              <a:rPr lang="en-US" sz="1600" i="1" dirty="0" err="1">
+              <a:rPr lang="en-US" sz="1600" i="1" dirty="0" err="1" smtClean="0">
                 <a:cs typeface="Calibri"/>
               </a:rPr>
               <a:t>docs</a:t>
             </a:r>
             <a:r>
-              <a:rPr lang="en-US" sz="1600" i="1" baseline="-25000" dirty="0" err="1">
+              <a:rPr lang="en-US" sz="1600" i="1" baseline="-25000" dirty="0" err="1" smtClean="0">
                 <a:cs typeface="Calibri"/>
               </a:rPr>
               <a:t>j</a:t>
             </a:r>
             <a:r>
-              <a:rPr lang="en-US" sz="1600" i="1" dirty="0">
+              <a:rPr lang="en-US" sz="1600" i="1" dirty="0" smtClean="0">
                 <a:cs typeface="Calibri"/>
               </a:rPr>
               <a:t> </a:t>
             </a:r>
             <a:r>
-              <a:rPr lang="en-US" sz="1600" dirty="0">
+              <a:rPr lang="en-US" sz="1600" dirty="0" smtClean="0">
                 <a:cs typeface="Calibri"/>
                 <a:sym typeface="Symbol" charset="2"/>
               </a:rPr>
               <a:t></a:t>
             </a:r>
             <a:r>
-              <a:rPr lang="en-US" sz="1600" i="1" dirty="0">
+              <a:rPr lang="en-US" sz="1600" i="1" dirty="0" smtClean="0">
                 <a:cs typeface="Calibri"/>
                 <a:sym typeface="Symbol" charset="2"/>
               </a:rPr>
               <a:t> </a:t>
             </a:r>
             <a:r>
-              <a:rPr lang="en-US" sz="1600" dirty="0">
+              <a:rPr lang="en-US" sz="1600" dirty="0" smtClean="0">
                 <a:cs typeface="Calibri"/>
                 <a:sym typeface="Symbol" charset="2"/>
               </a:rPr>
               <a:t>all docs with  class =</a:t>
             </a:r>
             <a:r>
-              <a:rPr lang="en-US" sz="1600" i="1" dirty="0" err="1">
+              <a:rPr lang="en-US" sz="1600" i="1" dirty="0" err="1" smtClean="0">
                 <a:cs typeface="Calibri"/>
               </a:rPr>
               <a:t>c</a:t>
             </a:r>
             <a:r>
-              <a:rPr lang="en-US" sz="1600" i="1" baseline="-25000" dirty="0" err="1">
+              <a:rPr lang="en-US" sz="1600" i="1" baseline="-25000" dirty="0" err="1" smtClean="0">
                 <a:cs typeface="Calibri"/>
               </a:rPr>
               <a:t>j</a:t>
             </a:r>
-            <a:endParaRPr lang="en-US" sz="1600" i="1" baseline="-25000" dirty="0">
+            <a:endParaRPr lang="en-US" sz="1600" i="1" baseline="-25000" dirty="0" smtClean="0">
               <a:cs typeface="Calibri"/>
             </a:endParaRPr>
           </a:p>
@@ -7986,7 +8039,7 @@
                 <a:spcPts val="0"/>
               </a:spcBef>
             </a:pPr>
-            <a:endParaRPr lang="en-US" sz="2000" dirty="0">
+            <a:endParaRPr lang="en-US" sz="2000" dirty="0" smtClean="0">
               <a:cs typeface="Calibri"/>
             </a:endParaRPr>
           </a:p>
@@ -8010,7 +8063,7 @@
           <a:graphicData uri="http://schemas.openxmlformats.org/presentationml/2006/ole">
             <mc:AlternateContent xmlns:mc="http://schemas.openxmlformats.org/markup-compatibility/2006">
               <mc:Choice xmlns:v="urn:schemas-microsoft-com:vml" Requires="v">
-                <p:oleObj spid="_x0000_s11306" name="Equation" r:id="rId3" imgW="1981200" imgH="431800" progId="Equation.3">
+                <p:oleObj spid="_x0000_s11300" name="Equation" r:id="rId3" imgW="1981200" imgH="431800" progId="Equation.3">
                   <p:embed/>
                 </p:oleObj>
               </mc:Choice>
@@ -8068,7 +8121,7 @@
           <a:graphicData uri="http://schemas.openxmlformats.org/presentationml/2006/ole">
             <mc:AlternateContent xmlns:mc="http://schemas.openxmlformats.org/markup-compatibility/2006">
               <mc:Choice xmlns:v="urn:schemas-microsoft-com:vml" Requires="v">
-                <p:oleObj spid="_x0000_s11307" name="Equation" r:id="rId5" imgW="1752600" imgH="406400" progId="Equation.3">
+                <p:oleObj spid="_x0000_s11301" name="Equation" r:id="rId5" imgW="1752600" imgH="406400" progId="Equation.3">
                   <p:embed/>
                 </p:oleObj>
               </mc:Choice>
@@ -8347,7 +8400,7 @@
               </a:spcBef>
             </a:pPr>
             <a:r>
-              <a:rPr lang="en-US" sz="2000" dirty="0">
+              <a:rPr lang="en-US" sz="2000" dirty="0" smtClean="0">
                 <a:solidFill>
                   <a:prstClr val="black"/>
                 </a:solidFill>
@@ -8357,7 +8410,7 @@
               <a:t>Calculate </a:t>
             </a:r>
             <a:r>
-              <a:rPr lang="en-US" sz="2000" i="1" dirty="0">
+              <a:rPr lang="en-US" sz="2000" i="1" dirty="0" smtClean="0">
                 <a:solidFill>
                   <a:prstClr val="black"/>
                 </a:solidFill>
@@ -8367,7 +8420,7 @@
               <a:t>P</a:t>
             </a:r>
             <a:r>
-              <a:rPr lang="en-US" sz="2000" dirty="0">
+              <a:rPr lang="en-US" sz="2000" dirty="0" smtClean="0">
                 <a:solidFill>
                   <a:prstClr val="black"/>
                 </a:solidFill>
@@ -8377,7 +8430,7 @@
               <a:t>(</a:t>
             </a:r>
             <a:r>
-              <a:rPr lang="en-US" sz="2000" i="1" dirty="0" err="1">
+              <a:rPr lang="en-US" sz="2000" i="1" dirty="0" err="1" smtClean="0">
                 <a:solidFill>
                   <a:prstClr val="black"/>
                 </a:solidFill>
@@ -8387,7 +8440,7 @@
               <a:t>w</a:t>
             </a:r>
             <a:r>
-              <a:rPr lang="en-US" sz="2000" i="1" baseline="-25000" dirty="0" err="1">
+              <a:rPr lang="en-US" sz="2000" i="1" baseline="-25000" dirty="0" err="1" smtClean="0">
                 <a:solidFill>
                   <a:prstClr val="black"/>
                 </a:solidFill>
@@ -8397,7 +8450,7 @@
               <a:t>k</a:t>
             </a:r>
             <a:r>
-              <a:rPr lang="en-US" sz="2000" i="1" dirty="0">
+              <a:rPr lang="en-US" sz="2000" i="1" dirty="0" smtClean="0">
                 <a:solidFill>
                   <a:prstClr val="black"/>
                 </a:solidFill>
@@ -8407,7 +8460,7 @@
               <a:t> </a:t>
             </a:r>
             <a:r>
-              <a:rPr lang="en-US" sz="2000" dirty="0">
+              <a:rPr lang="en-US" sz="2000" dirty="0" smtClean="0">
                 <a:solidFill>
                   <a:prstClr val="black"/>
                 </a:solidFill>
@@ -8417,7 +8470,7 @@
               <a:t>|</a:t>
             </a:r>
             <a:r>
-              <a:rPr lang="en-US" sz="2000" i="1" dirty="0">
+              <a:rPr lang="en-US" sz="2000" i="1" dirty="0" smtClean="0">
                 <a:solidFill>
                   <a:prstClr val="black"/>
                 </a:solidFill>
@@ -8427,7 +8480,7 @@
               <a:t> </a:t>
             </a:r>
             <a:r>
-              <a:rPr lang="en-US" sz="2000" i="1" dirty="0" err="1">
+              <a:rPr lang="en-US" sz="2000" i="1" dirty="0" err="1" smtClean="0">
                 <a:solidFill>
                   <a:prstClr val="black"/>
                 </a:solidFill>
@@ -8437,7 +8490,7 @@
               <a:t>c</a:t>
             </a:r>
             <a:r>
-              <a:rPr lang="en-US" sz="2000" i="1" baseline="-25000" dirty="0" err="1">
+              <a:rPr lang="en-US" sz="2000" i="1" baseline="-25000" dirty="0" err="1" smtClean="0">
                 <a:solidFill>
                   <a:prstClr val="black"/>
                 </a:solidFill>
@@ -8447,7 +8500,7 @@
               <a:t>j</a:t>
             </a:r>
             <a:r>
-              <a:rPr lang="en-US" sz="2000" dirty="0">
+              <a:rPr lang="en-US" sz="2000" dirty="0" smtClean="0">
                 <a:solidFill>
                   <a:prstClr val="black"/>
                 </a:solidFill>
@@ -8457,7 +8510,7 @@
               <a:t>)</a:t>
             </a:r>
             <a:r>
-              <a:rPr lang="en-US" sz="2000" i="1" dirty="0">
+              <a:rPr lang="en-US" sz="2000" i="1" dirty="0" smtClean="0">
                 <a:solidFill>
                   <a:prstClr val="black"/>
                 </a:solidFill>
@@ -8467,7 +8520,7 @@
               <a:t> </a:t>
             </a:r>
             <a:r>
-              <a:rPr lang="en-US" sz="2000" dirty="0">
+              <a:rPr lang="en-US" sz="2000" dirty="0" smtClean="0">
                 <a:solidFill>
                   <a:prstClr val="black"/>
                 </a:solidFill>
@@ -8487,7 +8540,7 @@
               </a:buClr>
             </a:pPr>
             <a:r>
-              <a:rPr lang="en-US" sz="1800" i="1" dirty="0" err="1">
+              <a:rPr lang="en-US" sz="1800" i="1" dirty="0" err="1" smtClean="0">
                 <a:solidFill>
                   <a:prstClr val="black"/>
                 </a:solidFill>
@@ -8498,7 +8551,7 @@
               <a:t>Text</a:t>
             </a:r>
             <a:r>
-              <a:rPr lang="en-US" sz="1800" i="1" baseline="-25000" dirty="0" err="1">
+              <a:rPr lang="en-US" sz="1800" i="1" baseline="-25000" dirty="0" err="1" smtClean="0">
                 <a:solidFill>
                   <a:prstClr val="black"/>
                 </a:solidFill>
@@ -8509,7 +8562,7 @@
               <a:t>j</a:t>
             </a:r>
             <a:r>
-              <a:rPr lang="en-US" sz="1800" i="1" dirty="0">
+              <a:rPr lang="en-US" sz="1800" i="1" dirty="0" smtClean="0">
                 <a:solidFill>
                   <a:prstClr val="black"/>
                 </a:solidFill>
@@ -8520,7 +8573,7 @@
               <a:t> </a:t>
             </a:r>
             <a:r>
-              <a:rPr lang="en-US" sz="1800" dirty="0">
+              <a:rPr lang="en-US" sz="1800" dirty="0" smtClean="0">
                 <a:solidFill>
                   <a:prstClr val="black"/>
                 </a:solidFill>
@@ -8532,7 +8585,7 @@
               <a:t> single doc containing all </a:t>
             </a:r>
             <a:r>
-              <a:rPr lang="en-US" sz="1800" i="1" dirty="0" err="1">
+              <a:rPr lang="en-US" sz="1800" i="1" dirty="0" err="1" smtClean="0">
                 <a:solidFill>
                   <a:prstClr val="black"/>
                 </a:solidFill>
@@ -8543,7 +8596,7 @@
               <a:t>docs</a:t>
             </a:r>
             <a:r>
-              <a:rPr lang="en-US" sz="1800" i="1" baseline="-25000" dirty="0" err="1">
+              <a:rPr lang="en-US" sz="1800" i="1" baseline="-25000" dirty="0" err="1" smtClean="0">
                 <a:solidFill>
                   <a:prstClr val="black"/>
                 </a:solidFill>
@@ -8553,7 +8606,7 @@
               </a:rPr>
               <a:t>j</a:t>
             </a:r>
-            <a:endParaRPr lang="en-US" sz="1800" i="1" baseline="-25000" dirty="0">
+            <a:endParaRPr lang="en-US" sz="1800" i="1" baseline="-25000" dirty="0" smtClean="0">
               <a:solidFill>
                 <a:prstClr val="black"/>
               </a:solidFill>
@@ -8572,7 +8625,7 @@
               </a:buClr>
             </a:pPr>
             <a:r>
-              <a:rPr lang="en-US" sz="1800" dirty="0">
+              <a:rPr lang="en-US" sz="1800" dirty="0" smtClean="0">
                 <a:solidFill>
                   <a:prstClr val="black"/>
                 </a:solidFill>
@@ -8583,7 +8636,7 @@
               <a:t>For</a:t>
             </a:r>
             <a:r>
-              <a:rPr lang="en-US" sz="1800" i="1" baseline="-25000" dirty="0">
+              <a:rPr lang="en-US" sz="1800" i="1" baseline="-25000" dirty="0" smtClean="0">
                 <a:solidFill>
                   <a:prstClr val="black"/>
                 </a:solidFill>
@@ -8594,7 +8647,7 @@
               <a:t> </a:t>
             </a:r>
             <a:r>
-              <a:rPr lang="en-US" sz="1800" dirty="0">
+              <a:rPr lang="en-US" sz="1800" dirty="0" smtClean="0">
                 <a:solidFill>
                   <a:prstClr val="black"/>
                 </a:solidFill>
@@ -8605,7 +8658,7 @@
               <a:t>each word </a:t>
             </a:r>
             <a:r>
-              <a:rPr lang="en-US" sz="1800" i="1" dirty="0" err="1">
+              <a:rPr lang="en-US" sz="1800" i="1" dirty="0" err="1" smtClean="0">
                 <a:solidFill>
                   <a:prstClr val="black"/>
                 </a:solidFill>
@@ -8616,7 +8669,7 @@
               <a:t>w</a:t>
             </a:r>
             <a:r>
-              <a:rPr lang="en-US" sz="1800" i="1" baseline="-25000" dirty="0" err="1">
+              <a:rPr lang="en-US" sz="1800" i="1" baseline="-25000" dirty="0" err="1" smtClean="0">
                 <a:solidFill>
                   <a:prstClr val="black"/>
                 </a:solidFill>
@@ -8627,7 +8680,7 @@
               <a:t>k</a:t>
             </a:r>
             <a:r>
-              <a:rPr lang="en-US" sz="1800" i="1" dirty="0">
+              <a:rPr lang="en-US" sz="1800" i="1" dirty="0" smtClean="0">
                 <a:solidFill>
                   <a:prstClr val="black"/>
                 </a:solidFill>
@@ -8638,7 +8691,7 @@
               <a:t> </a:t>
             </a:r>
             <a:r>
-              <a:rPr lang="en-US" sz="1800" dirty="0">
+              <a:rPr lang="en-US" sz="1800" dirty="0" smtClean="0">
                 <a:solidFill>
                   <a:prstClr val="black"/>
                 </a:solidFill>
@@ -8649,7 +8702,7 @@
               <a:t>in </a:t>
             </a:r>
             <a:r>
-              <a:rPr lang="en-US" sz="1800" i="1" dirty="0">
+              <a:rPr lang="en-US" sz="1800" i="1" dirty="0" smtClean="0">
                 <a:solidFill>
                   <a:prstClr val="black"/>
                 </a:solidFill>
@@ -8669,7 +8722,7 @@
               <a:buNone/>
             </a:pPr>
             <a:r>
-              <a:rPr lang="en-US" sz="1800" i="1" dirty="0">
+              <a:rPr lang="en-US" sz="1800" i="1" dirty="0" smtClean="0">
                 <a:solidFill>
                   <a:prstClr val="black"/>
                 </a:solidFill>
@@ -8680,7 +8733,7 @@
               <a:t>    </a:t>
             </a:r>
             <a:r>
-              <a:rPr lang="en-US" sz="1800" i="1" dirty="0" err="1">
+              <a:rPr lang="en-US" sz="1800" i="1" dirty="0" err="1" smtClean="0">
                 <a:solidFill>
                   <a:prstClr val="black"/>
                 </a:solidFill>
@@ -8691,7 +8744,7 @@
               <a:t>n</a:t>
             </a:r>
             <a:r>
-              <a:rPr lang="en-US" sz="1800" i="1" baseline="-25000" dirty="0" err="1">
+              <a:rPr lang="en-US" sz="1800" i="1" baseline="-25000" dirty="0" err="1" smtClean="0">
                 <a:solidFill>
                   <a:prstClr val="black"/>
                 </a:solidFill>
@@ -8702,7 +8755,7 @@
               <a:t>k</a:t>
             </a:r>
             <a:r>
-              <a:rPr lang="en-US" sz="1800" i="1" dirty="0">
+              <a:rPr lang="en-US" sz="1800" i="1" dirty="0" smtClean="0">
                 <a:solidFill>
                   <a:prstClr val="black"/>
                 </a:solidFill>
@@ -8713,7 +8766,7 @@
               <a:t> </a:t>
             </a:r>
             <a:r>
-              <a:rPr lang="en-US" sz="1800" dirty="0">
+              <a:rPr lang="en-US" sz="1800" dirty="0" smtClean="0">
                 <a:solidFill>
                   <a:prstClr val="black"/>
                 </a:solidFill>
@@ -8725,7 +8778,7 @@
               <a:t> # of occurrences of </a:t>
             </a:r>
             <a:r>
-              <a:rPr lang="en-US" sz="1800" i="1" dirty="0" err="1">
+              <a:rPr lang="en-US" sz="1800" i="1" dirty="0" err="1" smtClean="0">
                 <a:solidFill>
                   <a:prstClr val="black"/>
                 </a:solidFill>
@@ -8737,7 +8790,7 @@
               <a:t>w</a:t>
             </a:r>
             <a:r>
-              <a:rPr lang="en-US" sz="1800" i="1" baseline="-25000" dirty="0" err="1">
+              <a:rPr lang="en-US" sz="1800" i="1" baseline="-25000" dirty="0" err="1" smtClean="0">
                 <a:solidFill>
                   <a:prstClr val="black"/>
                 </a:solidFill>
@@ -8748,7 +8801,7 @@
               <a:t>k</a:t>
             </a:r>
             <a:r>
-              <a:rPr lang="en-US" sz="1800" i="1" dirty="0">
+              <a:rPr lang="en-US" sz="1800" i="1" dirty="0" smtClean="0">
                 <a:solidFill>
                   <a:prstClr val="black"/>
                 </a:solidFill>
@@ -8759,7 +8812,7 @@
               <a:t> </a:t>
             </a:r>
             <a:r>
-              <a:rPr lang="en-US" sz="1800" dirty="0">
+              <a:rPr lang="en-US" sz="1800" dirty="0" smtClean="0">
                 <a:solidFill>
                   <a:prstClr val="black"/>
                 </a:solidFill>
@@ -8770,7 +8823,7 @@
               <a:t>in </a:t>
             </a:r>
             <a:r>
-              <a:rPr lang="en-US" sz="1800" i="1" dirty="0" err="1">
+              <a:rPr lang="en-US" sz="1800" i="1" dirty="0" err="1" smtClean="0">
                 <a:solidFill>
                   <a:prstClr val="black"/>
                 </a:solidFill>
@@ -8781,7 +8834,7 @@
               <a:t>Text</a:t>
             </a:r>
             <a:r>
-              <a:rPr lang="en-US" sz="1800" i="1" baseline="-25000" dirty="0" err="1">
+              <a:rPr lang="en-US" sz="1800" i="1" baseline="-25000" dirty="0" err="1" smtClean="0">
                 <a:solidFill>
                   <a:prstClr val="black"/>
                 </a:solidFill>
@@ -9090,17 +9143,18 @@
           <a:lstStyle/>
           <a:p>
             <a:r>
-              <a:rPr lang="en-US" dirty="0"/>
+              <a:rPr lang="en-US" dirty="0" smtClean="0"/>
               <a:t>[</a:t>
             </a:r>
             <a:r>
-              <a:rPr lang="en-US" dirty="0" err="1"/>
+              <a:rPr lang="en-US" dirty="0" err="1" smtClean="0"/>
               <a:t>Jurafsky</a:t>
             </a:r>
             <a:r>
-              <a:rPr lang="en-US" dirty="0"/>
+              <a:rPr lang="en-US" dirty="0" smtClean="0"/>
               <a:t> and Martin]</a:t>
             </a:r>
+            <a:endParaRPr lang="en-US" dirty="0"/>
           </a:p>
         </p:txBody>
       </p:sp>
@@ -9115,6 +9169,13 @@
     <a:masterClrMapping/>
   </p:clrMapOvr>
   <p:transition/>
+  <p:timing>
+    <p:tnLst>
+      <p:par>
+        <p:cTn id="1" dur="indefinite" restart="never" nodeType="tmRoot"/>
+      </p:par>
+    </p:tnLst>
+  </p:timing>
 </p:sld>
 </file>
 
@@ -9151,9 +9212,10 @@
           <a:lstStyle/>
           <a:p>
             <a:r>
-              <a:rPr lang="en-US" dirty="0"/>
+              <a:rPr lang="en-US" dirty="0" smtClean="0"/>
               <a:t>Introduction to NLP</a:t>
             </a:r>
+            <a:endParaRPr lang="en-US" dirty="0"/>
           </a:p>
         </p:txBody>
       </p:sp>
@@ -9173,9 +9235,10 @@
           <a:lstStyle/>
           <a:p>
             <a:r>
-              <a:rPr lang="en-US" dirty="0"/>
+              <a:rPr lang="en-US" dirty="0" smtClean="0"/>
               <a:t>Generative vs. Discriminative Models</a:t>
             </a:r>
+            <a:endParaRPr lang="en-US" dirty="0"/>
           </a:p>
         </p:txBody>
       </p:sp>
@@ -9189,6 +9252,13 @@
   <p:clrMapOvr>
     <a:masterClrMapping/>
   </p:clrMapOvr>
+  <p:timing>
+    <p:tnLst>
+      <p:par>
+        <p:cTn id="1" dur="indefinite" restart="never" nodeType="tmRoot"/>
+      </p:par>
+    </p:tnLst>
+  </p:timing>
 </p:sld>
 </file>
 
@@ -9225,9 +9295,10 @@
           <a:lstStyle/>
           <a:p>
             <a:r>
-              <a:rPr lang="en-US" dirty="0"/>
+              <a:rPr lang="en-US" dirty="0" smtClean="0"/>
               <a:t>Example</a:t>
             </a:r>
+            <a:endParaRPr lang="en-US" dirty="0"/>
           </a:p>
         </p:txBody>
       </p:sp>
@@ -9260,9 +9331,10 @@
           </a:p>
           <a:p>
             <a:r>
-              <a:rPr lang="en-US" dirty="0"/>
+              <a:rPr lang="en-US" dirty="0" smtClean="0"/>
               <a:t>Training</a:t>
             </a:r>
+            <a:endParaRPr lang="en-US" dirty="0"/>
           </a:p>
           <a:p>
             <a:pPr lvl="1"/>
@@ -9280,8 +9352,12 @@
           </a:p>
           <a:p>
             <a:r>
+              <a:rPr lang="en-US" dirty="0" smtClean="0"/>
+              <a:t>What </a:t>
+            </a:r>
+            <a:r>
               <a:rPr lang="en-US" dirty="0"/>
-              <a:t>What is P(Y|X)?</a:t>
+              <a:t>is P(Y|X)?</a:t>
             </a:r>
           </a:p>
           <a:p>
@@ -9305,15 +9381,19 @@
           </a:p>
           <a:p>
             <a:r>
+              <a:rPr lang="en-US" dirty="0" smtClean="0"/>
+              <a:t>Different conditions</a:t>
+            </a:r>
+          </a:p>
+          <a:p>
+            <a:pPr lvl="1"/>
+            <a:r>
+              <a:rPr lang="en-US" dirty="0" smtClean="0"/>
+              <a:t>a </a:t>
+            </a:r>
+            <a:r>
               <a:rPr lang="en-US" dirty="0"/>
-              <a:t>Different conditions</a:t>
-            </a:r>
-          </a:p>
-          <a:p>
-            <a:pPr lvl="1"/>
-            <a:r>
-              <a:rPr lang="en-US" dirty="0"/>
-              <a:t>a = 0 (no smoothing)</a:t>
+              <a:t>= 0 (no smoothing)</a:t>
             </a:r>
           </a:p>
           <a:p>
@@ -9548,7 +9628,7 @@
                 <a:avLst/>
               </a:prstGeom>
               <a:blipFill rotWithShape="1">
-                <a:blip r:embed="rId3"/>
+                <a:blip r:embed="rId2"/>
                 <a:stretch>
                   <a:fillRect/>
                 </a:stretch>
@@ -9755,7 +9835,7 @@
                 <a:avLst/>
               </a:prstGeom>
               <a:blipFill rotWithShape="1">
-                <a:blip r:embed="rId4"/>
+                <a:blip r:embed="rId3"/>
                 <a:stretch>
                   <a:fillRect/>
                 </a:stretch>
@@ -9984,7 +10064,7 @@
                 <a:avLst/>
               </a:prstGeom>
               <a:blipFill rotWithShape="1">
-                <a:blip r:embed="rId5"/>
+                <a:blip r:embed="rId4"/>
                 <a:stretch>
                   <a:fillRect/>
                 </a:stretch>
@@ -10139,7 +10219,7 @@
                 <a:avLst/>
               </a:prstGeom>
               <a:blipFill rotWithShape="1">
-                <a:blip r:embed="rId6"/>
+                <a:blip r:embed="rId5"/>
                 <a:stretch>
                   <a:fillRect b="-9836"/>
                 </a:stretch>
@@ -10308,7 +10388,7 @@
                   </m:oMath>
                 </a14:m>
                 <a:r>
-                  <a:rPr lang="en-US" dirty="0"/>
+                  <a:rPr lang="en-US" dirty="0" smtClean="0"/>
                   <a:t> = </a:t>
                 </a:r>
                 <a14:m>
@@ -10335,9 +10415,10 @@
                   </m:oMath>
                 </a14:m>
                 <a:r>
-                  <a:rPr lang="en-US" dirty="0"/>
+                  <a:rPr lang="en-US" dirty="0" smtClean="0"/>
                   <a:t> </a:t>
                 </a:r>
+                <a:endParaRPr lang="en-US" dirty="0"/>
               </a:p>
             </p:txBody>
           </p:sp>
@@ -10360,7 +10441,7 @@
                 <a:avLst/>
               </a:prstGeom>
               <a:blipFill rotWithShape="1">
-                <a:blip r:embed="rId7"/>
+                <a:blip r:embed="rId6"/>
                 <a:stretch>
                   <a:fillRect t="-8333" b="-26667"/>
                 </a:stretch>
@@ -10536,7 +10617,7 @@
                   </m:oMath>
                 </a14:m>
                 <a:r>
-                  <a:rPr lang="en-US" dirty="0"/>
+                  <a:rPr lang="en-US" dirty="0" smtClean="0"/>
                   <a:t> = </a:t>
                 </a:r>
                 <a14:m>
@@ -10563,9 +10644,10 @@
                   </m:oMath>
                 </a14:m>
                 <a:r>
-                  <a:rPr lang="en-US" dirty="0"/>
+                  <a:rPr lang="en-US" dirty="0" smtClean="0"/>
                   <a:t> </a:t>
                 </a:r>
+                <a:endParaRPr lang="en-US" dirty="0"/>
               </a:p>
             </p:txBody>
           </p:sp>
@@ -10588,7 +10670,7 @@
                 <a:avLst/>
               </a:prstGeom>
               <a:blipFill rotWithShape="1">
-                <a:blip r:embed="rId8"/>
+                <a:blip r:embed="rId7"/>
                 <a:stretch>
                   <a:fillRect t="-8197" b="-24590"/>
                 </a:stretch>
@@ -10795,7 +10877,7 @@
                 <a:avLst/>
               </a:prstGeom>
               <a:blipFill rotWithShape="1">
-                <a:blip r:embed="rId9"/>
+                <a:blip r:embed="rId8"/>
                 <a:stretch>
                   <a:fillRect/>
                 </a:stretch>
@@ -10826,11 +10908,18 @@
   <p:clrMapOvr>
     <a:masterClrMapping/>
   </p:clrMapOvr>
+  <p:timing>
+    <p:tnLst>
+      <p:par>
+        <p:cTn id="1" dur="indefinite" restart="never" nodeType="tmRoot"/>
+      </p:par>
+    </p:tnLst>
+  </p:timing>
 </p:sld>
 </file>
 
 <file path=ppt/slides/slide21.xml><?xml version="1.0" encoding="utf-8"?>
-<p:sld xmlns:a="http://schemas.openxmlformats.org/drawingml/2006/main" xmlns:r="http://schemas.openxmlformats.org/officeDocument/2006/relationships" xmlns:p="http://schemas.openxmlformats.org/presentationml/2006/main">
+<p:sld xmlns:a="http://schemas.openxmlformats.org/drawingml/2006/main" xmlns:r="http://schemas.openxmlformats.org/officeDocument/2006/relationships" xmlns:p="http://schemas.openxmlformats.org/presentationml/2006/main" show="0">
   <p:cSld>
     <p:spTree>
       <p:nvGrpSpPr>
@@ -10862,9 +10951,10 @@
           <a:lstStyle/>
           <a:p>
             <a:r>
-              <a:rPr lang="en-US" dirty="0"/>
+              <a:rPr lang="en-US" dirty="0" smtClean="0"/>
               <a:t>Example</a:t>
             </a:r>
+            <a:endParaRPr lang="en-US" dirty="0"/>
           </a:p>
         </p:txBody>
       </p:sp>
@@ -11407,7 +11497,7 @@
                   </m:oMath>
                 </a14:m>
                 <a:r>
-                  <a:rPr lang="en-US" dirty="0"/>
+                  <a:rPr lang="en-US" dirty="0" smtClean="0"/>
                   <a:t> = </a:t>
                 </a:r>
                 <a14:m>
@@ -11434,9 +11524,10 @@
                   </m:oMath>
                 </a14:m>
                 <a:r>
-                  <a:rPr lang="en-US" dirty="0"/>
+                  <a:rPr lang="en-US" dirty="0" smtClean="0"/>
                   <a:t> </a:t>
                 </a:r>
+                <a:endParaRPr lang="en-US" dirty="0"/>
               </a:p>
             </p:txBody>
           </p:sp>
@@ -11490,6 +11581,21 @@
   <p:clrMapOvr>
     <a:masterClrMapping/>
   </p:clrMapOvr>
+  <mc:AlternateContent xmlns:mc="http://schemas.openxmlformats.org/markup-compatibility/2006" xmlns:p14="http://schemas.microsoft.com/office/powerpoint/2010/main">
+    <mc:Choice Requires="p14">
+      <p:transition spd="slow" p14:dur="2000"/>
+    </mc:Choice>
+    <mc:Fallback xmlns="">
+      <p:transition spd="slow"/>
+    </mc:Fallback>
+  </mc:AlternateContent>
+  <p:timing>
+    <p:tnLst>
+      <p:par>
+        <p:cTn id="1" dur="indefinite" restart="never" nodeType="tmRoot"/>
+      </p:par>
+    </p:tnLst>
+  </p:timing>
 </p:sld>
 </file>
 
@@ -11550,7 +11656,7 @@
           <a:lstStyle/>
           <a:p>
             <a:r>
-              <a:rPr lang="bg-BG" dirty="0"/>
+              <a:rPr lang="bg-BG" dirty="0" smtClean="0"/>
               <a:t>Another Example</a:t>
             </a:r>
             <a:endParaRPr lang="en-US" dirty="0"/>
@@ -11580,7 +11686,7 @@
           <a:lstStyle/>
           <a:p>
             <a:r>
-              <a:rPr lang="bg-BG" dirty="0"/>
+              <a:rPr lang="bg-BG" dirty="0" smtClean="0"/>
               <a:t>[Greg Durrett]</a:t>
             </a:r>
             <a:endParaRPr lang="en-US" dirty="0"/>
@@ -11597,6 +11703,13 @@
   <p:clrMapOvr>
     <a:masterClrMapping/>
   </p:clrMapOvr>
+  <p:timing>
+    <p:tnLst>
+      <p:par>
+        <p:cTn id="1" dur="indefinite" restart="never" nodeType="tmRoot"/>
+      </p:par>
+    </p:tnLst>
+  </p:timing>
 </p:sld>
 </file>
 
@@ -11633,8 +11746,115 @@
           <a:lstStyle/>
           <a:p>
             <a:r>
-              <a:rPr lang="bg-BG" dirty="0"/>
-              <a:t>Summary</a:t>
+              <a:rPr lang="bg-BG" dirty="0" smtClean="0"/>
+              <a:t>Summary (1)</a:t>
+            </a:r>
+            <a:endParaRPr lang="en-US" dirty="0"/>
+          </a:p>
+        </p:txBody>
+      </p:sp>
+      <p:sp>
+        <p:nvSpPr>
+          <p:cNvPr id="4" name="TextBox 3"/>
+          <p:cNvSpPr txBox="1"/>
+          <p:nvPr/>
+        </p:nvSpPr>
+        <p:spPr>
+          <a:xfrm>
+            <a:off x="7208530" y="4697489"/>
+            <a:ext cx="1524776" cy="369332"/>
+          </a:xfrm>
+          <a:prstGeom prst="rect">
+            <a:avLst/>
+          </a:prstGeom>
+          <a:noFill/>
+        </p:spPr>
+        <p:txBody>
+          <a:bodyPr wrap="none" rtlCol="0">
+            <a:spAutoFit/>
+          </a:bodyPr>
+          <a:lstStyle/>
+          <a:p>
+            <a:r>
+              <a:rPr lang="bg-BG" dirty="0" smtClean="0"/>
+              <a:t>[Greg Durrett]</a:t>
+            </a:r>
+            <a:endParaRPr lang="en-US" dirty="0"/>
+          </a:p>
+        </p:txBody>
+      </p:sp>
+      <p:pic>
+        <p:nvPicPr>
+          <p:cNvPr id="5" name="Picture 4"/>
+          <p:cNvPicPr>
+            <a:picLocks noChangeAspect="1"/>
+          </p:cNvPicPr>
+          <p:nvPr/>
+        </p:nvPicPr>
+        <p:blipFill>
+          <a:blip r:embed="rId2"/>
+          <a:stretch>
+            <a:fillRect/>
+          </a:stretch>
+        </p:blipFill>
+        <p:spPr>
+          <a:xfrm>
+            <a:off x="691793" y="1016033"/>
+            <a:ext cx="7395901" cy="3681456"/>
+          </a:xfrm>
+          <a:prstGeom prst="rect">
+            <a:avLst/>
+          </a:prstGeom>
+        </p:spPr>
+      </p:pic>
+    </p:spTree>
+    <p:extLst>
+      <p:ext uri="{BB962C8B-B14F-4D97-AF65-F5344CB8AC3E}">
+        <p14:creationId xmlns:p14="http://schemas.microsoft.com/office/powerpoint/2010/main" val="1411301673"/>
+      </p:ext>
+    </p:extLst>
+  </p:cSld>
+  <p:clrMapOvr>
+    <a:masterClrMapping/>
+  </p:clrMapOvr>
+</p:sld>
+</file>
+
+<file path=ppt/slides/slide24.xml><?xml version="1.0" encoding="utf-8"?>
+<p:sld xmlns:a="http://schemas.openxmlformats.org/drawingml/2006/main" xmlns:r="http://schemas.openxmlformats.org/officeDocument/2006/relationships" xmlns:p="http://schemas.openxmlformats.org/presentationml/2006/main">
+  <p:cSld>
+    <p:spTree>
+      <p:nvGrpSpPr>
+        <p:cNvPr id="1" name=""/>
+        <p:cNvGrpSpPr/>
+        <p:nvPr/>
+      </p:nvGrpSpPr>
+      <p:grpSpPr>
+        <a:xfrm>
+          <a:off x="0" y="0"/>
+          <a:ext cx="0" cy="0"/>
+          <a:chOff x="0" y="0"/>
+          <a:chExt cx="0" cy="0"/>
+        </a:xfrm>
+      </p:grpSpPr>
+      <p:sp>
+        <p:nvSpPr>
+          <p:cNvPr id="2" name="Title 1"/>
+          <p:cNvSpPr>
+            <a:spLocks noGrp="1"/>
+          </p:cNvSpPr>
+          <p:nvPr>
+            <p:ph type="title"/>
+          </p:nvPr>
+        </p:nvSpPr>
+        <p:spPr/>
+        <p:txBody>
+          <a:bodyPr/>
+          <a:lstStyle/>
+          <a:p>
+            <a:r>
+              <a:rPr lang="bg-BG" dirty="0" smtClean="0"/>
+              <a:t>Summary (2)</a:t>
             </a:r>
             <a:endParaRPr lang="en-US" dirty="0"/>
           </a:p>
@@ -11687,7 +11907,7 @@
           <a:lstStyle/>
           <a:p>
             <a:r>
-              <a:rPr lang="bg-BG" dirty="0"/>
+              <a:rPr lang="bg-BG" dirty="0" smtClean="0"/>
               <a:t>[Greg Durrett]</a:t>
             </a:r>
             <a:endParaRPr lang="en-US" dirty="0"/>
@@ -11704,10 +11924,17 @@
   <p:clrMapOvr>
     <a:masterClrMapping/>
   </p:clrMapOvr>
+  <p:timing>
+    <p:tnLst>
+      <p:par>
+        <p:cTn id="1" dur="indefinite" restart="never" nodeType="tmRoot"/>
+      </p:par>
+    </p:tnLst>
+  </p:timing>
 </p:sld>
 </file>
 
-<file path=ppt/slides/slide24.xml><?xml version="1.0" encoding="utf-8"?>
+<file path=ppt/slides/slide25.xml><?xml version="1.0" encoding="utf-8"?>
 <p:sld xmlns:a="http://schemas.openxmlformats.org/drawingml/2006/main" xmlns:r="http://schemas.openxmlformats.org/officeDocument/2006/relationships" xmlns:p="http://schemas.openxmlformats.org/presentationml/2006/main">
   <p:cSld>
     <p:spTree>
@@ -11740,22 +11967,22 @@
           <a:lstStyle/>
           <a:p>
             <a:r>
-              <a:rPr lang="en-US" dirty="0"/>
+              <a:rPr lang="en-US" dirty="0" smtClean="0"/>
               <a:t>Not So Na</a:t>
             </a:r>
             <a:r>
-              <a:rPr lang="fr-FR" dirty="0"/>
+              <a:rPr lang="fr-FR" dirty="0" smtClean="0"/>
               <a:t>ï</a:t>
             </a:r>
             <a:r>
-              <a:rPr lang="en-US" dirty="0" err="1"/>
+              <a:rPr lang="en-US" dirty="0" err="1" smtClean="0"/>
               <a:t>ve</a:t>
             </a:r>
             <a:r>
-              <a:rPr lang="bg-BG" dirty="0"/>
+              <a:rPr lang="bg-BG" dirty="0" smtClean="0"/>
               <a:t>!</a:t>
             </a:r>
-            <a:endParaRPr lang="en-US" dirty="0"/>
+            <a:endParaRPr lang="en-US" dirty="0" smtClean="0"/>
           </a:p>
         </p:txBody>
       </p:sp>
@@ -11783,85 +12010,134 @@
           <a:p>
             <a:pPr marL="228600" indent="-228600"/>
             <a:r>
+              <a:rPr lang="en-US" sz="2000" dirty="0" smtClean="0"/>
+              <a:t>Very </a:t>
+            </a:r>
+            <a:r>
               <a:rPr lang="en-US" sz="2000" dirty="0"/>
-              <a:t>Very fast, low storage requirements</a:t>
+              <a:t>f</a:t>
+            </a:r>
+            <a:r>
+              <a:rPr lang="en-US" sz="2000" dirty="0" smtClean="0"/>
+              <a:t>ast</a:t>
+            </a:r>
+            <a:r>
+              <a:rPr lang="en-US" sz="2000" dirty="0"/>
+              <a:t>, low storage requirements</a:t>
             </a:r>
           </a:p>
           <a:p>
             <a:pPr marL="228600" indent="-228600"/>
             <a:r>
+              <a:rPr lang="en-US" sz="2000" dirty="0" smtClean="0"/>
+              <a:t>Robust to irrelevant features</a:t>
+            </a:r>
+          </a:p>
+          <a:p>
+            <a:pPr marL="228600" indent="-228600"/>
+            <a:r>
+              <a:rPr lang="en-US" sz="2000" dirty="0" smtClean="0"/>
+              <a:t>Irrelevant features cancel each other without affecting results</a:t>
+            </a:r>
+          </a:p>
+          <a:p>
+            <a:pPr marL="228600" indent="-228600"/>
+            <a:r>
+              <a:rPr lang="en-US" sz="2000" dirty="0" smtClean="0"/>
+              <a:t>Very good in domains with many equally important features</a:t>
+            </a:r>
+          </a:p>
+          <a:p>
+            <a:pPr marL="628650" lvl="1" indent="-228600"/>
+            <a:r>
+              <a:rPr lang="en-US" sz="1400" dirty="0" smtClean="0"/>
+              <a:t>Decision trees suffer from </a:t>
+            </a:r>
+            <a:r>
+              <a:rPr lang="en-US" sz="1400" i="1" dirty="0" smtClean="0"/>
+              <a:t>fragmentation</a:t>
+            </a:r>
+            <a:r>
+              <a:rPr lang="en-US" sz="1400" dirty="0" smtClean="0"/>
+              <a:t> in such cases – especially if little data</a:t>
+            </a:r>
+          </a:p>
+          <a:p>
+            <a:pPr marL="228600" indent="-228600"/>
+            <a:r>
+              <a:rPr lang="en-US" sz="2000" dirty="0" smtClean="0"/>
+              <a:t>Optimal if the independence </a:t>
+            </a:r>
+            <a:r>
               <a:rPr lang="en-US" sz="2000" dirty="0"/>
-              <a:t>Robust to irrelevant features</a:t>
+              <a:t>a</a:t>
+            </a:r>
+            <a:r>
+              <a:rPr lang="en-US" sz="2000" dirty="0" smtClean="0"/>
+              <a:t>ssumptions hold</a:t>
+            </a:r>
+          </a:p>
+          <a:p>
+            <a:pPr marL="628650" lvl="1" indent="-228600"/>
+            <a:r>
+              <a:rPr lang="en-US" sz="1400" dirty="0" smtClean="0"/>
+              <a:t>If assumed independence is correct, then it is the Bayes Optimal Classifier for problem</a:t>
             </a:r>
           </a:p>
           <a:p>
             <a:pPr marL="228600" indent="-228600"/>
             <a:r>
-              <a:rPr lang="en-US" sz="2000" dirty="0"/>
-              <a:t>Irrelevant features cancel each other without affecting results</a:t>
-            </a:r>
+              <a:rPr lang="en-US" sz="2000" dirty="0" smtClean="0">
+                <a:solidFill>
+                  <a:schemeClr val="tx1"/>
+                </a:solidFill>
+              </a:rPr>
+              <a:t>A good, </a:t>
+            </a:r>
+            <a:r>
+              <a:rPr lang="en-US" sz="2000" dirty="0">
+                <a:solidFill>
+                  <a:schemeClr val="tx1"/>
+                </a:solidFill>
+              </a:rPr>
+              <a:t>dependable baseline for text </a:t>
+            </a:r>
+            <a:r>
+              <a:rPr lang="en-US" sz="2000" dirty="0" smtClean="0">
+                <a:solidFill>
+                  <a:schemeClr val="tx1"/>
+                </a:solidFill>
+              </a:rPr>
+              <a:t>classification</a:t>
+            </a:r>
+          </a:p>
+          <a:p>
+            <a:pPr marL="571500" lvl="1"/>
+            <a:r>
+              <a:rPr lang="en-US" dirty="0">
+                <a:solidFill>
+                  <a:schemeClr val="tx1"/>
+                </a:solidFill>
+              </a:rPr>
+              <a:t>B</a:t>
+            </a:r>
+            <a:r>
+              <a:rPr lang="en-US" dirty="0" smtClean="0">
+                <a:solidFill>
+                  <a:schemeClr val="tx1"/>
+                </a:solidFill>
+              </a:rPr>
+              <a:t>ut other classifiers give better accuracy</a:t>
+            </a:r>
+            <a:endParaRPr lang="en-US" dirty="0">
+              <a:solidFill>
+                <a:schemeClr val="tx1"/>
+              </a:solidFill>
+            </a:endParaRPr>
           </a:p>
           <a:p>
             <a:pPr marL="228600" indent="-228600"/>
-            <a:r>
-              <a:rPr lang="en-US" sz="2000" dirty="0"/>
-              <a:t>Very good in domains with many equally important features</a:t>
-            </a:r>
-          </a:p>
-          <a:p>
-            <a:pPr marL="628650" lvl="1" indent="-228600"/>
-            <a:r>
-              <a:rPr lang="en-US" sz="1400" dirty="0"/>
-              <a:t>Decision trees suffer from </a:t>
-            </a:r>
-            <a:r>
-              <a:rPr lang="en-US" sz="1400" i="1" dirty="0"/>
-              <a:t>fragmentation</a:t>
-            </a:r>
-            <a:r>
-              <a:rPr lang="en-US" sz="1400" dirty="0"/>
-              <a:t> in such cases – especially if little data</a:t>
-            </a:r>
-          </a:p>
-          <a:p>
-            <a:pPr marL="228600" indent="-228600"/>
-            <a:r>
-              <a:rPr lang="en-US" sz="2000" dirty="0"/>
-              <a:t>Optimal if the independence assumptions hold</a:t>
-            </a:r>
-          </a:p>
-          <a:p>
-            <a:pPr marL="628650" lvl="1" indent="-228600"/>
-            <a:r>
-              <a:rPr lang="en-US" sz="1400" dirty="0"/>
-              <a:t>If assumed independence is correct, then it is the Bayes Optimal Classifier for problem</a:t>
-            </a:r>
-          </a:p>
-          <a:p>
-            <a:pPr marL="228600" indent="-228600"/>
-            <a:r>
-              <a:rPr lang="en-US" sz="2000" dirty="0">
-                <a:solidFill>
-                  <a:schemeClr val="tx1"/>
-                </a:solidFill>
-              </a:rPr>
-              <a:t>A good, dependable baseline for text classification</a:t>
-            </a:r>
-          </a:p>
-          <a:p>
-            <a:pPr marL="571500" lvl="1"/>
-            <a:r>
-              <a:rPr lang="en-US" dirty="0">
-                <a:solidFill>
-                  <a:schemeClr val="tx1"/>
-                </a:solidFill>
-              </a:rPr>
-              <a:t>But other classifiers give better accuracy</a:t>
-            </a:r>
-          </a:p>
-          <a:p>
-            <a:pPr marL="228600" indent="-228600"/>
-            <a:endParaRPr lang="en-US" sz="2000" dirty="0"/>
+            <a:endParaRPr lang="en-US" sz="2000" dirty="0" smtClean="0"/>
           </a:p>
         </p:txBody>
       </p:sp>
@@ -11888,17 +12164,18 @@
           <a:lstStyle/>
           <a:p>
             <a:r>
-              <a:rPr lang="en-US" dirty="0"/>
+              <a:rPr lang="en-US" dirty="0" smtClean="0"/>
               <a:t>[</a:t>
             </a:r>
             <a:r>
-              <a:rPr lang="en-US" dirty="0" err="1"/>
+              <a:rPr lang="en-US" dirty="0" err="1" smtClean="0"/>
               <a:t>Jurafsky</a:t>
             </a:r>
             <a:r>
-              <a:rPr lang="en-US" dirty="0"/>
+              <a:rPr lang="en-US" dirty="0" smtClean="0"/>
               <a:t> and Martin]</a:t>
             </a:r>
+            <a:endParaRPr lang="en-US" dirty="0"/>
           </a:p>
         </p:txBody>
       </p:sp>
@@ -11913,10 +12190,17 @@
     <a:masterClrMapping/>
   </p:clrMapOvr>
   <p:transition/>
+  <p:timing>
+    <p:tnLst>
+      <p:par>
+        <p:cTn id="1" dur="indefinite" restart="never" nodeType="tmRoot"/>
+      </p:par>
+    </p:tnLst>
+  </p:timing>
 </p:sld>
 </file>
 
-<file path=ppt/slides/slide25.xml><?xml version="1.0" encoding="utf-8"?>
+<file path=ppt/slides/slide26.xml><?xml version="1.0" encoding="utf-8"?>
 <p:sld xmlns:a="http://schemas.openxmlformats.org/drawingml/2006/main" xmlns:r="http://schemas.openxmlformats.org/officeDocument/2006/relationships" xmlns:p="http://schemas.openxmlformats.org/presentationml/2006/main">
   <p:cSld>
     <p:spTree>
@@ -11954,11 +12238,14 @@
           <a:lstStyle/>
           <a:p>
             <a:r>
-              <a:rPr lang="en-US" sz="18000" dirty="0">
+              <a:rPr lang="en-US" sz="18000" dirty="0" smtClean="0">
                 <a:latin typeface="Rockwell Extra Bold" panose="02060903040505020403" pitchFamily="18" charset="0"/>
               </a:rPr>
               <a:t>NLP</a:t>
             </a:r>
+            <a:endParaRPr lang="en-US" sz="18000" dirty="0">
+              <a:latin typeface="Rockwell Extra Bold" panose="02060903040505020403" pitchFamily="18" charset="0"/>
+            </a:endParaRPr>
           </a:p>
         </p:txBody>
       </p:sp>
@@ -11972,6 +12259,13 @@
   <p:clrMapOvr>
     <a:masterClrMapping/>
   </p:clrMapOvr>
+  <p:timing>
+    <p:tnLst>
+      <p:par>
+        <p:cTn id="1" dur="indefinite" restart="never" nodeType="tmRoot"/>
+      </p:par>
+    </p:tnLst>
+  </p:timing>
 </p:sld>
 </file>
 
@@ -12013,9 +12307,10 @@
           <a:lstStyle/>
           <a:p>
             <a:r>
-              <a:rPr lang="en-US" dirty="0"/>
+              <a:rPr lang="en-US" dirty="0" smtClean="0"/>
               <a:t>Generative vs. Discriminative Models</a:t>
             </a:r>
+            <a:endParaRPr lang="en-US" dirty="0"/>
           </a:p>
         </p:txBody>
       </p:sp>
@@ -12047,7 +12342,7 @@
               </a:spcBef>
             </a:pPr>
             <a:r>
-              <a:rPr lang="en-US" sz="1600" dirty="0"/>
+              <a:rPr lang="en-US" sz="1600" dirty="0" smtClean="0"/>
               <a:t>Learn a model of the joint probability p(d, c)</a:t>
             </a:r>
           </a:p>
@@ -12058,15 +12353,15 @@
               </a:spcBef>
             </a:pPr>
             <a:r>
-              <a:rPr lang="en-US" sz="1600" dirty="0"/>
+              <a:rPr lang="en-US" sz="1600" dirty="0" smtClean="0"/>
               <a:t>Use Bayes’ Rule to calculate p(</a:t>
             </a:r>
             <a:r>
-              <a:rPr lang="en-US" sz="1600" dirty="0" err="1"/>
+              <a:rPr lang="en-US" sz="1600" dirty="0" err="1" smtClean="0"/>
               <a:t>c|d</a:t>
             </a:r>
             <a:r>
-              <a:rPr lang="en-US" sz="1600" dirty="0"/>
+              <a:rPr lang="en-US" sz="1600" dirty="0" smtClean="0"/>
               <a:t>) </a:t>
             </a:r>
           </a:p>
@@ -12077,7 +12372,7 @@
               </a:spcBef>
             </a:pPr>
             <a:r>
-              <a:rPr lang="en-US" sz="1600" dirty="0"/>
+              <a:rPr lang="en-US" sz="1600" dirty="0" smtClean="0"/>
               <a:t>Build a model of each class; given example, return the model most likely to have generated that example</a:t>
             </a:r>
           </a:p>
@@ -12088,9 +12383,10 @@
               </a:spcBef>
             </a:pPr>
             <a:r>
-              <a:rPr lang="en-US" sz="1600" dirty="0"/>
+              <a:rPr lang="en-US" sz="1600" dirty="0" smtClean="0"/>
               <a:t>Examples: Naïve Bayes, Gaussian Discriminant Analysis, HMM, Probabilistic CFG</a:t>
             </a:r>
+            <a:endParaRPr lang="en-US" sz="1600" dirty="0"/>
           </a:p>
         </p:txBody>
       </p:sp>
@@ -12118,9 +12414,10 @@
               <a:buNone/>
             </a:pPr>
             <a:r>
-              <a:rPr lang="en-US" dirty="0"/>
+              <a:rPr lang="en-US" dirty="0" smtClean="0"/>
               <a:t>Generative</a:t>
             </a:r>
+            <a:endParaRPr lang="en-US" dirty="0"/>
           </a:p>
         </p:txBody>
       </p:sp>
@@ -12148,9 +12445,10 @@
               <a:buNone/>
             </a:pPr>
             <a:r>
-              <a:rPr lang="en-US" dirty="0"/>
+              <a:rPr lang="en-US" dirty="0" smtClean="0"/>
               <a:t>Discriminative</a:t>
             </a:r>
+            <a:endParaRPr lang="en-US" dirty="0"/>
           </a:p>
         </p:txBody>
       </p:sp>
@@ -12182,15 +12480,15 @@
               </a:spcBef>
             </a:pPr>
             <a:r>
-              <a:rPr lang="en-US" sz="1600" dirty="0"/>
+              <a:rPr lang="en-US" sz="1600" dirty="0" smtClean="0"/>
               <a:t>Model posterior probability p(</a:t>
             </a:r>
             <a:r>
-              <a:rPr lang="en-US" sz="1600" dirty="0" err="1"/>
+              <a:rPr lang="en-US" sz="1600" dirty="0" err="1" smtClean="0"/>
               <a:t>c|d</a:t>
             </a:r>
             <a:r>
-              <a:rPr lang="en-US" sz="1600" dirty="0"/>
+              <a:rPr lang="en-US" sz="1600" dirty="0" smtClean="0"/>
               <a:t>) directly</a:t>
             </a:r>
           </a:p>
@@ -12201,7 +12499,7 @@
               </a:spcBef>
             </a:pPr>
             <a:r>
-              <a:rPr lang="en-US" sz="1600" dirty="0"/>
+              <a:rPr lang="en-US" sz="1600" dirty="0" smtClean="0"/>
               <a:t>Class is a function of document vector</a:t>
             </a:r>
           </a:p>
@@ -12213,8 +12511,17 @@
             </a:pPr>
             <a:r>
               <a:rPr lang="en-US" sz="1600" dirty="0"/>
-              <a:t>Find the exact function that minimizes classification errors on the training data </a:t>
-            </a:r>
+              <a:t>Find the exact </a:t>
+            </a:r>
+            <a:r>
+              <a:rPr lang="en-US" sz="1600" dirty="0" smtClean="0"/>
+              <a:t>function </a:t>
+            </a:r>
+            <a:r>
+              <a:rPr lang="en-US" sz="1600" dirty="0"/>
+              <a:t>that minimizes classification errors on the training data </a:t>
+            </a:r>
+            <a:endParaRPr lang="en-US" sz="1600" dirty="0" smtClean="0"/>
           </a:p>
           <a:p>
             <a:pPr>
@@ -12223,11 +12530,11 @@
               </a:spcBef>
             </a:pPr>
             <a:r>
-              <a:rPr lang="en-US" sz="1600" dirty="0"/>
+              <a:rPr lang="en-US" sz="1600" dirty="0" smtClean="0"/>
               <a:t>Examples: </a:t>
             </a:r>
             <a:r>
-              <a:rPr lang="en-US" sz="1600" dirty="0">
+              <a:rPr lang="en-US" sz="1600" dirty="0" smtClean="0">
                 <a:solidFill>
                   <a:srgbClr val="011C3C"/>
                 </a:solidFill>
@@ -12235,17 +12542,54 @@
               <a:t>Logistic </a:t>
             </a:r>
             <a:r>
-              <a:rPr lang="en-US" sz="1600" dirty="0"/>
+              <a:rPr lang="en-US" sz="1600" dirty="0" smtClean="0"/>
               <a:t>r</a:t>
             </a:r>
             <a:r>
+              <a:rPr lang="en-US" sz="1600" dirty="0" smtClean="0">
+                <a:solidFill>
+                  <a:srgbClr val="011C3C"/>
+                </a:solidFill>
+              </a:rPr>
+              <a:t>egression, Neural </a:t>
+            </a:r>
+            <a:r>
               <a:rPr lang="en-US" sz="1600" dirty="0">
                 <a:solidFill>
                   <a:srgbClr val="011C3C"/>
                 </a:solidFill>
               </a:rPr>
-              <a:t>egression, Neural Networks (NNs), Support Vector Machines (SVMs), Decision Trees</a:t>
-            </a:r>
+              <a:t>Networks (NNs</a:t>
+            </a:r>
+            <a:r>
+              <a:rPr lang="en-US" sz="1600" dirty="0" smtClean="0">
+                <a:solidFill>
+                  <a:srgbClr val="011C3C"/>
+                </a:solidFill>
+              </a:rPr>
+              <a:t>), Support </a:t>
+            </a:r>
+            <a:r>
+              <a:rPr lang="en-US" sz="1600" dirty="0">
+                <a:solidFill>
+                  <a:srgbClr val="011C3C"/>
+                </a:solidFill>
+              </a:rPr>
+              <a:t>Vector Machines (SVMs</a:t>
+            </a:r>
+            <a:r>
+              <a:rPr lang="en-US" sz="1600" dirty="0" smtClean="0">
+                <a:solidFill>
+                  <a:srgbClr val="011C3C"/>
+                </a:solidFill>
+              </a:rPr>
+              <a:t>), Decision Trees</a:t>
+            </a:r>
+            <a:endParaRPr lang="en-US" sz="1600" dirty="0">
+              <a:solidFill>
+                <a:srgbClr val="011C3C"/>
+              </a:solidFill>
+            </a:endParaRPr>
           </a:p>
         </p:txBody>
       </p:sp>
@@ -12259,6 +12603,13 @@
   <p:clrMapOvr>
     <a:masterClrMapping/>
   </p:clrMapOvr>
+  <p:timing>
+    <p:tnLst>
+      <p:par>
+        <p:cTn id="1" dur="indefinite" restart="never" nodeType="tmRoot"/>
+      </p:par>
+    </p:tnLst>
+  </p:timing>
 </p:sld>
 </file>
 
@@ -12295,9 +12646,10 @@
           <a:lstStyle/>
           <a:p>
             <a:r>
-              <a:rPr lang="en-US" dirty="0"/>
+              <a:rPr lang="en-US" dirty="0" smtClean="0"/>
               <a:t>Assumptions of Discriminative Classifiers</a:t>
             </a:r>
+            <a:endParaRPr lang="en-US" dirty="0"/>
           </a:p>
         </p:txBody>
       </p:sp>
@@ -12324,25 +12676,25 @@
           <a:lstStyle/>
           <a:p>
             <a:r>
-              <a:rPr lang="en-US" sz="2400" dirty="0"/>
+              <a:rPr lang="en-US" sz="2400" dirty="0" smtClean="0"/>
               <a:t>Data examples (documents) are represented as vectors of features (words, phrases, ngrams, etc)</a:t>
             </a:r>
           </a:p>
           <a:p>
             <a:r>
-              <a:rPr lang="en-US" sz="2400" dirty="0"/>
+              <a:rPr lang="en-US" sz="2400" dirty="0" smtClean="0"/>
               <a:t>Looking for a function that maps each vector into a class. </a:t>
             </a:r>
           </a:p>
           <a:p>
             <a:r>
-              <a:rPr lang="en-US" sz="2400" dirty="0"/>
+              <a:rPr lang="en-US" sz="2400" dirty="0" smtClean="0"/>
               <a:t>This function can be found by minimizing the errors on the training data (plus other various criteria)</a:t>
             </a:r>
           </a:p>
           <a:p>
             <a:r>
-              <a:rPr lang="en-US" sz="2400" dirty="0"/>
+              <a:rPr lang="en-US" sz="2400" dirty="0" smtClean="0"/>
               <a:t>Different classifiers vary on what the function looks like, and how they find the function</a:t>
             </a:r>
           </a:p>
@@ -12358,6 +12710,13 @@
   <p:clrMapOvr>
     <a:masterClrMapping/>
   </p:clrMapOvr>
+  <p:timing>
+    <p:tnLst>
+      <p:par>
+        <p:cTn id="1" dur="indefinite" restart="never" nodeType="tmRoot"/>
+      </p:par>
+    </p:tnLst>
+  </p:timing>
 </p:sld>
 </file>
 
@@ -12399,7 +12758,7 @@
           <a:lstStyle/>
           <a:p>
             <a:r>
-              <a:rPr lang="en-US" sz="3600" dirty="0"/>
+              <a:rPr lang="en-US" sz="3600" dirty="0" smtClean="0"/>
               <a:t>Discriminative vs. Generative</a:t>
             </a:r>
           </a:p>
@@ -12433,7 +12792,7 @@
               </a:lnSpc>
             </a:pPr>
             <a:r>
-              <a:rPr lang="en-US" dirty="0"/>
+              <a:rPr lang="en-US" dirty="0" smtClean="0"/>
               <a:t>Discriminative classifiers are generally more effective, since they directly optimize the classification accuracy. But</a:t>
             </a:r>
           </a:p>
@@ -12444,7 +12803,7 @@
               </a:lnSpc>
             </a:pPr>
             <a:r>
-              <a:rPr lang="en-US" dirty="0"/>
+              <a:rPr lang="en-US" dirty="0" smtClean="0"/>
               <a:t>They are all sensitive to the choice of features, and so far these features are extracted heuristically</a:t>
             </a:r>
           </a:p>
@@ -12455,7 +12814,7 @@
               </a:lnSpc>
             </a:pPr>
             <a:r>
-              <a:rPr lang="en-US" dirty="0"/>
+              <a:rPr lang="en-US" dirty="0" smtClean="0"/>
               <a:t>Also, overfitting can happen if data is sparse</a:t>
             </a:r>
           </a:p>
@@ -12466,7 +12825,7 @@
               </a:lnSpc>
             </a:pPr>
             <a:r>
-              <a:rPr lang="en-US" dirty="0"/>
+              <a:rPr lang="en-US" dirty="0" smtClean="0"/>
               <a:t>Generative classifiers are the “opposite”</a:t>
             </a:r>
           </a:p>
@@ -12477,7 +12836,7 @@
               </a:lnSpc>
             </a:pPr>
             <a:r>
-              <a:rPr lang="en-US" dirty="0"/>
+              <a:rPr lang="en-US" dirty="0" smtClean="0"/>
               <a:t>They directly model text, an unnecessarily harder problem than classification</a:t>
             </a:r>
           </a:p>
@@ -12488,7 +12847,7 @@
               </a:lnSpc>
             </a:pPr>
             <a:r>
-              <a:rPr lang="en-US" dirty="0"/>
+              <a:rPr lang="en-US" dirty="0" smtClean="0"/>
               <a:t>They can easily exploit unlabeled data</a:t>
             </a:r>
           </a:p>
@@ -12504,6 +12863,13 @@
   <p:clrMapOvr>
     <a:masterClrMapping/>
   </p:clrMapOvr>
+  <p:timing>
+    <p:tnLst>
+      <p:par>
+        <p:cTn id="1" dur="indefinite" restart="never" nodeType="tmRoot"/>
+      </p:par>
+    </p:tnLst>
+  </p:timing>
 </p:sld>
 </file>
 
@@ -12540,9 +12906,10 @@
           <a:lstStyle/>
           <a:p>
             <a:r>
-              <a:rPr lang="en-US" dirty="0"/>
+              <a:rPr lang="en-US" dirty="0" smtClean="0"/>
               <a:t>Introduction to NLP</a:t>
             </a:r>
+            <a:endParaRPr lang="en-US" dirty="0"/>
           </a:p>
         </p:txBody>
       </p:sp>
@@ -12562,15 +12929,16 @@
           <a:lstStyle/>
           <a:p>
             <a:r>
-              <a:rPr lang="en-US" dirty="0"/>
+              <a:rPr lang="en-US" dirty="0" smtClean="0"/>
               <a:t>Generative Classifier:</a:t>
             </a:r>
           </a:p>
           <a:p>
             <a:r>
-              <a:rPr lang="en-US" dirty="0"/>
+              <a:rPr lang="en-US" dirty="0" smtClean="0"/>
               <a:t>Naïve Bayes</a:t>
             </a:r>
+            <a:endParaRPr lang="en-US" dirty="0"/>
           </a:p>
         </p:txBody>
       </p:sp>
@@ -12584,6 +12952,13 @@
   <p:clrMapOvr>
     <a:masterClrMapping/>
   </p:clrMapOvr>
+  <p:timing>
+    <p:tnLst>
+      <p:par>
+        <p:cTn id="1" dur="indefinite" restart="never" nodeType="tmRoot"/>
+      </p:par>
+    </p:tnLst>
+  </p:timing>
 </p:sld>
 </file>
 
@@ -12642,36 +13017,36 @@
           <a:lstStyle/>
           <a:p>
             <a:r>
-              <a:rPr lang="en-US" sz="2800" dirty="0"/>
+              <a:rPr lang="en-US" sz="2800" dirty="0" smtClean="0"/>
               <a:t>Simple (“</a:t>
             </a:r>
             <a:r>
-              <a:rPr lang="en-US" sz="2800" dirty="0" err="1"/>
+              <a:rPr lang="en-US" sz="2800" dirty="0" err="1" smtClean="0"/>
               <a:t>na</a:t>
             </a:r>
             <a:r>
-              <a:rPr lang="fr-FR" sz="2800" dirty="0" err="1"/>
+              <a:rPr lang="fr-FR" sz="2800" dirty="0" err="1" smtClean="0"/>
               <a:t>ï</a:t>
             </a:r>
             <a:r>
-              <a:rPr lang="en-US" sz="2800" dirty="0" err="1"/>
+              <a:rPr lang="en-US" sz="2800" dirty="0" err="1" smtClean="0"/>
               <a:t>ve</a:t>
             </a:r>
             <a:r>
-              <a:rPr lang="en-US" sz="2800" dirty="0"/>
+              <a:rPr lang="en-US" sz="2800" dirty="0" smtClean="0"/>
               <a:t>”) classification method based on Bayes rule</a:t>
             </a:r>
           </a:p>
           <a:p>
             <a:r>
-              <a:rPr lang="en-US" sz="2800" dirty="0"/>
+              <a:rPr lang="en-US" sz="2800" dirty="0" smtClean="0"/>
               <a:t>Relies on very simple representation of document</a:t>
             </a:r>
           </a:p>
           <a:p>
             <a:pPr lvl="1"/>
             <a:r>
-              <a:rPr lang="en-US" sz="2800" dirty="0"/>
+              <a:rPr lang="en-US" sz="2800" dirty="0" smtClean="0"/>
               <a:t>Bag of words</a:t>
             </a:r>
           </a:p>
@@ -12690,6 +13065,13 @@
   <p:clrMapOvr>
     <a:masterClrMapping/>
   </p:clrMapOvr>
+  <p:timing>
+    <p:tnLst>
+      <p:par>
+        <p:cTn id="1" dur="indefinite" restart="never" nodeType="tmRoot"/>
+      </p:par>
+    </p:tnLst>
+  </p:timing>
 </p:sld>
 </file>
 
@@ -12731,9 +13113,10 @@
           <a:lstStyle/>
           <a:p>
             <a:r>
-              <a:rPr lang="en-US" dirty="0"/>
+              <a:rPr lang="en-US" dirty="0" smtClean="0"/>
               <a:t>Bag of Words</a:t>
             </a:r>
+            <a:endParaRPr lang="en-US" dirty="0"/>
           </a:p>
         </p:txBody>
       </p:sp>
@@ -12834,6 +13217,13 @@
   <p:clrMapOvr>
     <a:masterClrMapping/>
   </p:clrMapOvr>
+  <p:timing>
+    <p:tnLst>
+      <p:par>
+        <p:cTn id="1" dur="indefinite" restart="never" nodeType="tmRoot"/>
+      </p:par>
+    </p:tnLst>
+  </p:timing>
 </p:sld>
 </file>
 
@@ -12870,9 +13260,10 @@
           <a:lstStyle/>
           <a:p>
             <a:r>
-              <a:rPr lang="en-US" dirty="0"/>
+              <a:rPr lang="en-US" dirty="0" smtClean="0"/>
               <a:t>Remember Bayes’ Rule?</a:t>
             </a:r>
+            <a:endParaRPr lang="en-US" dirty="0"/>
           </a:p>
         </p:txBody>
       </p:sp>
@@ -12904,15 +13295,31 @@
               <a:buChar char="•"/>
             </a:pPr>
             <a:r>
-              <a:rPr lang="en-US" sz="2400" i="1" dirty="0"/>
+              <a:rPr lang="en-US" sz="2400" i="1" dirty="0" smtClean="0"/>
               <a:t>d </a:t>
             </a:r>
             <a:r>
+              <a:rPr lang="en-US" sz="2400" dirty="0" smtClean="0"/>
+              <a:t>is </a:t>
+            </a:r>
+            <a:r>
               <a:rPr lang="en-US" sz="2400" dirty="0"/>
-              <a:t>is the document (represented as a list of features of a document, x</a:t>
-            </a:r>
-            <a:r>
-              <a:rPr lang="en-US" sz="2400" baseline="-25000" dirty="0"/>
+              <a:t>the </a:t>
+            </a:r>
+            <a:r>
+              <a:rPr lang="en-US" sz="2400" dirty="0" smtClean="0"/>
+              <a:t>document (represented as a list </a:t>
+            </a:r>
+            <a:r>
+              <a:rPr lang="en-US" sz="2400" dirty="0"/>
+              <a:t>of features of a document, </a:t>
+            </a:r>
+            <a:r>
+              <a:rPr lang="en-US" sz="2400" dirty="0" smtClean="0"/>
+              <a:t>x</a:t>
+            </a:r>
+            <a:r>
+              <a:rPr lang="en-US" sz="2400" baseline="-25000" dirty="0" smtClean="0"/>
               <a:t>1</a:t>
             </a:r>
             <a:r>
@@ -12920,7 +13327,7 @@
               <a:t>, …, </a:t>
             </a:r>
             <a:r>
-              <a:rPr lang="en-US" sz="2400" dirty="0" err="1"/>
+              <a:rPr lang="en-US" sz="2400" dirty="0" err="1" smtClean="0"/>
               <a:t>x</a:t>
             </a:r>
             <a:r>
@@ -12928,9 +13335,10 @@
               <a:t>n</a:t>
             </a:r>
             <a:r>
-              <a:rPr lang="en-US" sz="2400" dirty="0"/>
+              <a:rPr lang="en-US" sz="2400" dirty="0" smtClean="0"/>
               <a:t>)</a:t>
             </a:r>
+            <a:endParaRPr lang="en-US" sz="2400" dirty="0"/>
           </a:p>
           <a:p>
             <a:pPr>
@@ -12941,13 +13349,22 @@
               <a:buChar char="•"/>
             </a:pPr>
             <a:r>
-              <a:rPr lang="en-US" sz="2400" i="1" dirty="0"/>
+              <a:rPr lang="en-US" sz="2400" i="1" dirty="0" smtClean="0"/>
               <a:t>c</a:t>
             </a:r>
             <a:r>
+              <a:rPr lang="en-US" sz="2400" dirty="0" smtClean="0"/>
+              <a:t> </a:t>
+            </a:r>
+            <a:r>
               <a:rPr lang="en-US" sz="2400" dirty="0"/>
-              <a:t> is a class (e.g., “not spam”)</a:t>
-            </a:r>
+              <a:t>is </a:t>
+            </a:r>
+            <a:r>
+              <a:rPr lang="en-US" sz="2400" dirty="0" smtClean="0"/>
+              <a:t>a class (e.g., “not spam”)</a:t>
+            </a:r>
+            <a:endParaRPr lang="en-US" sz="2400" dirty="0"/>
           </a:p>
         </p:txBody>
       </p:sp>
@@ -12978,8 +13395,21 @@
                   <a:srgbClr val="C00000"/>
                 </a:solidFill>
               </a:rPr>
-              <a:t>Bayes’ Rule:</a:t>
-            </a:r>
+              <a:t>Bayes’ </a:t>
+            </a:r>
+            <a:r>
+              <a:rPr lang="en-US" sz="2400" dirty="0" smtClean="0">
+                <a:solidFill>
+                  <a:srgbClr val="C00000"/>
+                </a:solidFill>
+              </a:rPr>
+              <a:t>Rule:</a:t>
+            </a:r>
+            <a:endParaRPr lang="en-US" sz="2400" dirty="0">
+              <a:solidFill>
+                <a:srgbClr val="C00000"/>
+              </a:solidFill>
+            </a:endParaRPr>
           </a:p>
         </p:txBody>
       </p:sp>
@@ -13005,12 +13435,12 @@
           <a:graphicData uri="http://schemas.openxmlformats.org/presentationml/2006/ole">
             <mc:AlternateContent xmlns:mc="http://schemas.openxmlformats.org/markup-compatibility/2006">
               <mc:Choice xmlns:v="urn:schemas-microsoft-com:vml" Requires="v">
-                <p:oleObj spid="_x0000_s1046" name="Equation" r:id="rId4" imgW="1371600" imgH="419100" progId="Equation.3">
+                <p:oleObj spid="_x0000_s1043" name="Equation" r:id="rId3" imgW="1371600" imgH="419100" progId="Equation.3">
                   <p:embed/>
                 </p:oleObj>
               </mc:Choice>
               <mc:Fallback>
-                <p:oleObj name="Equation" r:id="rId4" imgW="1371600" imgH="419100" progId="Equation.3">
+                <p:oleObj name="Equation" r:id="rId3" imgW="1371600" imgH="419100" progId="Equation.3">
                   <p:embed/>
                   <p:pic>
                     <p:nvPicPr>
@@ -13021,7 +13451,7 @@
                       <p:nvPr/>
                     </p:nvPicPr>
                     <p:blipFill>
-                      <a:blip r:embed="rId5"/>
+                      <a:blip r:embed="rId4"/>
                       <a:srcRect/>
                       <a:stretch>
                         <a:fillRect/>
@@ -13058,6 +13488,13 @@
   <p:clrMapOvr>
     <a:masterClrMapping/>
   </p:clrMapOvr>
+  <p:timing>
+    <p:tnLst>
+      <p:par>
+        <p:cTn id="1" dur="indefinite" restart="never" nodeType="tmRoot"/>
+      </p:par>
+    </p:tnLst>
+  </p:timing>
 </p:sld>
 </file>
 
